--- a/talk/MD2016-Template_prezentacija-FINAL.PPTX
+++ b/talk/MD2016-Template_prezentacija-FINAL.PPTX
@@ -5,32 +5,19 @@
     <p:sldMasterId id="2147483660" r:id="rId4"/>
   </p:sldMasterIdLst>
   <p:notesMasterIdLst>
-    <p:notesMasterId r:id="rId25"/>
+    <p:notesMasterId r:id="rId12"/>
   </p:notesMasterIdLst>
   <p:handoutMasterIdLst>
-    <p:handoutMasterId r:id="rId26"/>
+    <p:handoutMasterId r:id="rId13"/>
   </p:handoutMasterIdLst>
   <p:sldIdLst>
     <p:sldId id="262" r:id="rId5"/>
     <p:sldId id="263" r:id="rId6"/>
     <p:sldId id="271" r:id="rId7"/>
     <p:sldId id="264" r:id="rId8"/>
-    <p:sldId id="274" r:id="rId9"/>
-    <p:sldId id="275" r:id="rId10"/>
-    <p:sldId id="276" r:id="rId11"/>
-    <p:sldId id="284" r:id="rId12"/>
-    <p:sldId id="278" r:id="rId13"/>
-    <p:sldId id="281" r:id="rId14"/>
-    <p:sldId id="277" r:id="rId15"/>
-    <p:sldId id="282" r:id="rId16"/>
-    <p:sldId id="272" r:id="rId17"/>
-    <p:sldId id="273" r:id="rId18"/>
-    <p:sldId id="283" r:id="rId19"/>
-    <p:sldId id="279" r:id="rId20"/>
-    <p:sldId id="280" r:id="rId21"/>
-    <p:sldId id="265" r:id="rId22"/>
-    <p:sldId id="270" r:id="rId23"/>
-    <p:sldId id="268" r:id="rId24"/>
+    <p:sldId id="265" r:id="rId9"/>
+    <p:sldId id="270" r:id="rId10"/>
+    <p:sldId id="268" r:id="rId11"/>
   </p:sldIdLst>
   <p:sldSz cx="9144000" cy="6858000" type="screen4x3"/>
   <p:notesSz cx="6858000" cy="9144000"/>
@@ -260,7 +247,7 @@
           <a:p>
             <a:fld id="{198405E8-435E-004F-B8C4-7F780EB18FFD}" type="datetimeFigureOut">
               <a:rPr lang="en-US" smtClean="0"/>
-              <a:t>9/28/16</a:t>
+              <a:t>9/26/2016</a:t>
             </a:fld>
             <a:endParaRPr lang="en-US"/>
           </a:p>
@@ -425,7 +412,7 @@
           <a:p>
             <a:fld id="{A744970E-75EA-0B45-A7C3-B10E9B39681A}" type="datetimeFigureOut">
               <a:rPr lang="en-US" smtClean="0"/>
-              <a:t>9/28/16</a:t>
+              <a:t>9/26/2016</a:t>
             </a:fld>
             <a:endParaRPr lang="en-US"/>
           </a:p>
@@ -7386,7 +7373,132 @@
 </p:sld>
 </file>
 
-<file path=ppt/slides/slide10.xml><?xml version="1.0" encoding="utf-8"?>
+<file path=ppt/slides/slide2.xml><?xml version="1.0" encoding="utf-8"?>
+<p:sld xmlns:a="http://schemas.openxmlformats.org/drawingml/2006/main" xmlns:r="http://schemas.openxmlformats.org/officeDocument/2006/relationships" xmlns:p="http://schemas.openxmlformats.org/presentationml/2006/main">
+  <p:cSld>
+    <p:spTree>
+      <p:nvGrpSpPr>
+        <p:cNvPr id="1" name=""/>
+        <p:cNvGrpSpPr/>
+        <p:nvPr/>
+      </p:nvGrpSpPr>
+      <p:grpSpPr>
+        <a:xfrm>
+          <a:off x="0" y="0"/>
+          <a:ext cx="0" cy="0"/>
+          <a:chOff x="0" y="0"/>
+          <a:chExt cx="0" cy="0"/>
+        </a:xfrm>
+      </p:grpSpPr>
+      <p:sp>
+        <p:nvSpPr>
+          <p:cNvPr id="2" name="Text Placeholder 1"/>
+          <p:cNvSpPr>
+            <a:spLocks noGrp="1"/>
+          </p:cNvSpPr>
+          <p:nvPr>
+            <p:ph type="body" sz="quarter" idx="11"/>
+          </p:nvPr>
+        </p:nvSpPr>
+        <p:spPr/>
+        <p:txBody>
+          <a:bodyPr/>
+          <a:lstStyle/>
+          <a:p>
+            <a:r>
+              <a:rPr lang="hr-HR" dirty="0" smtClean="0"/>
+              <a:t>Ime i prezime predavača</a:t>
+            </a:r>
+            <a:endParaRPr lang="en-US" dirty="0"/>
+          </a:p>
+        </p:txBody>
+      </p:sp>
+      <p:sp>
+        <p:nvSpPr>
+          <p:cNvPr id="3" name="Text Placeholder 2"/>
+          <p:cNvSpPr>
+            <a:spLocks noGrp="1"/>
+          </p:cNvSpPr>
+          <p:nvPr>
+            <p:ph type="body" sz="quarter" idx="12"/>
+          </p:nvPr>
+        </p:nvSpPr>
+        <p:spPr>
+          <a:xfrm>
+            <a:off x="3386590" y="3311761"/>
+            <a:ext cx="5124693" cy="3203858"/>
+          </a:xfrm>
+        </p:spPr>
+        <p:txBody>
+          <a:bodyPr/>
+          <a:lstStyle/>
+          <a:p>
+            <a:r>
+              <a:rPr lang="hr-HR" dirty="0" smtClean="0"/>
+              <a:t>Naziv predavanja</a:t>
+            </a:r>
+            <a:endParaRPr lang="en-US" dirty="0"/>
+          </a:p>
+        </p:txBody>
+      </p:sp>
+    </p:spTree>
+    <p:extLst>
+      <p:ext uri="{BB962C8B-B14F-4D97-AF65-F5344CB8AC3E}">
+        <p14:creationId xmlns:p14="http://schemas.microsoft.com/office/powerpoint/2010/main" val="466797636"/>
+      </p:ext>
+    </p:extLst>
+  </p:cSld>
+  <p:clrMapOvr>
+    <a:masterClrMapping/>
+  </p:clrMapOvr>
+  <p:timing>
+    <p:tnLst>
+      <p:par>
+        <p:cTn id="1" dur="indefinite" restart="never" nodeType="tmRoot"/>
+      </p:par>
+    </p:tnLst>
+  </p:timing>
+</p:sld>
+</file>
+
+<file path=ppt/slides/slide3.xml><?xml version="1.0" encoding="utf-8"?>
+<p:sld xmlns:a="http://schemas.openxmlformats.org/drawingml/2006/main" xmlns:r="http://schemas.openxmlformats.org/officeDocument/2006/relationships" xmlns:p="http://schemas.openxmlformats.org/presentationml/2006/main">
+  <p:cSld>
+    <p:spTree>
+      <p:nvGrpSpPr>
+        <p:cNvPr id="1" name=""/>
+        <p:cNvGrpSpPr/>
+        <p:nvPr/>
+      </p:nvGrpSpPr>
+      <p:grpSpPr>
+        <a:xfrm>
+          <a:off x="0" y="0"/>
+          <a:ext cx="0" cy="0"/>
+          <a:chOff x="0" y="0"/>
+          <a:chExt cx="0" cy="0"/>
+        </a:xfrm>
+      </p:grpSpPr>
+    </p:spTree>
+    <p:extLst>
+      <p:ext uri="{BB962C8B-B14F-4D97-AF65-F5344CB8AC3E}">
+        <p14:creationId xmlns:p14="http://schemas.microsoft.com/office/powerpoint/2010/main" val="2898421800"/>
+      </p:ext>
+    </p:extLst>
+  </p:cSld>
+  <p:clrMapOvr>
+    <a:masterClrMapping/>
+  </p:clrMapOvr>
+  <p:timing>
+    <p:tnLst>
+      <p:par>
+        <p:cTn id="1" dur="indefinite" restart="never" nodeType="tmRoot"/>
+      </p:par>
+    </p:tnLst>
+  </p:timing>
+</p:sld>
+</file>
+
+<file path=ppt/slides/slide4.xml><?xml version="1.0" encoding="utf-8"?>
 <p:sld xmlns:a="http://schemas.openxmlformats.org/drawingml/2006/main" xmlns:r="http://schemas.openxmlformats.org/officeDocument/2006/relationships" xmlns:p="http://schemas.openxmlformats.org/presentationml/2006/main">
   <p:cSld>
     <p:spTree>
@@ -7418,15 +7530,7 @@
           <a:bodyPr/>
           <a:lstStyle/>
           <a:p>
-            <a:r>
-              <a:rPr lang="en-US" dirty="0" smtClean="0"/>
-              <a:t>Intro and motivation </a:t>
-            </a:r>
-            <a:r>
-              <a:rPr lang="en-US" dirty="0" smtClean="0"/>
-              <a:t>7</a:t>
-            </a:r>
-            <a:endParaRPr lang="en-US" dirty="0"/>
+            <a:endParaRPr lang="en-US"/>
           </a:p>
         </p:txBody>
       </p:sp>
@@ -7442,126 +7546,17 @@
         </p:nvSpPr>
         <p:spPr/>
         <p:txBody>
-          <a:bodyPr>
-            <a:normAutofit/>
-          </a:bodyPr>
+          <a:bodyPr/>
           <a:lstStyle/>
           <a:p>
-            <a:r>
-              <a:rPr lang="en-US" dirty="0" smtClean="0"/>
-              <a:t>We would like to avoid this at all </a:t>
-            </a:r>
-            <a:r>
-              <a:rPr lang="en-US" dirty="0" smtClean="0"/>
-              <a:t>costs</a:t>
-            </a:r>
-            <a:br>
-              <a:rPr lang="en-US" dirty="0" smtClean="0"/>
-            </a:br>
-            <a:r>
-              <a:rPr lang="en-US" dirty="0"/>
-              <a:t/>
-            </a:r>
-            <a:br>
-              <a:rPr lang="en-US" dirty="0"/>
-            </a:br>
-            <a:r>
-              <a:rPr lang="en-US" dirty="0" smtClean="0">
-                <a:solidFill>
-                  <a:srgbClr val="FF0000"/>
-                </a:solidFill>
-              </a:rPr>
-              <a:t>'</a:t>
-            </a:r>
-            <a:r>
-              <a:rPr lang="en-US" dirty="0" err="1" smtClean="0">
-                <a:solidFill>
-                  <a:srgbClr val="FF0000"/>
-                </a:solidFill>
-              </a:rPr>
-              <a:t>sudo</a:t>
-            </a:r>
-            <a:r>
-              <a:rPr lang="en-US" dirty="0">
-                <a:solidFill>
-                  <a:srgbClr val="FF0000"/>
-                </a:solidFill>
-              </a:rPr>
-              <a:t>' is not recognized as an internal or external </a:t>
-            </a:r>
-            <a:r>
-              <a:rPr lang="en-US" dirty="0" smtClean="0">
-                <a:solidFill>
-                  <a:srgbClr val="FF0000"/>
-                </a:solidFill>
-              </a:rPr>
-              <a:t>command, operable </a:t>
-            </a:r>
-            <a:r>
-              <a:rPr lang="en-US" dirty="0">
-                <a:solidFill>
-                  <a:srgbClr val="FF0000"/>
-                </a:solidFill>
-              </a:rPr>
-              <a:t>program or batch file</a:t>
-            </a:r>
-            <a:r>
-              <a:rPr lang="en-US" dirty="0" smtClean="0">
-                <a:solidFill>
-                  <a:srgbClr val="FF0000"/>
-                </a:solidFill>
-              </a:rPr>
-              <a:t>.</a:t>
-            </a:r>
-            <a:br>
-              <a:rPr lang="en-US" dirty="0" smtClean="0">
-                <a:solidFill>
-                  <a:srgbClr val="FF0000"/>
-                </a:solidFill>
-              </a:rPr>
-            </a:br>
-            <a:endParaRPr lang="en-US" dirty="0">
-              <a:solidFill>
-                <a:srgbClr val="FF0000"/>
-              </a:solidFill>
-            </a:endParaRPr>
+            <a:endParaRPr lang="en-US" dirty="0"/>
           </a:p>
         </p:txBody>
       </p:sp>
-      <p:pic>
-        <p:nvPicPr>
-          <p:cNvPr id="2" name="Picture 1"/>
-          <p:cNvPicPr>
-            <a:picLocks noChangeAspect="1"/>
-          </p:cNvPicPr>
-          <p:nvPr/>
-        </p:nvPicPr>
-        <p:blipFill>
-          <a:blip r:embed="rId2">
-            <a:extLst>
-              <a:ext uri="{28A0092B-C50C-407E-A947-70E740481C1C}">
-                <a14:useLocalDpi xmlns:a14="http://schemas.microsoft.com/office/drawing/2010/main" val="0"/>
-              </a:ext>
-            </a:extLst>
-          </a:blip>
-          <a:stretch>
-            <a:fillRect/>
-          </a:stretch>
-        </p:blipFill>
-        <p:spPr>
-          <a:xfrm>
-            <a:off x="1617345" y="2966120"/>
-            <a:ext cx="5726430" cy="2997337"/>
-          </a:xfrm>
-          <a:prstGeom prst="rect">
-            <a:avLst/>
-          </a:prstGeom>
-        </p:spPr>
-      </p:pic>
     </p:spTree>
     <p:extLst>
       <p:ext uri="{BB962C8B-B14F-4D97-AF65-F5344CB8AC3E}">
-        <p14:creationId xmlns:p14="http://schemas.microsoft.com/office/powerpoint/2010/main" val="1613706122"/>
+        <p14:creationId xmlns:p14="http://schemas.microsoft.com/office/powerpoint/2010/main" val="1499036867"/>
       </p:ext>
     </p:extLst>
   </p:cSld>
@@ -7578,1545 +7573,8 @@
 </p:sld>
 </file>
 
-<file path=ppt/slides/slide11.xml><?xml version="1.0" encoding="utf-8"?>
+<file path=ppt/slides/slide5.xml><?xml version="1.0" encoding="utf-8"?>
 <p:sld xmlns:a="http://schemas.openxmlformats.org/drawingml/2006/main" xmlns:r="http://schemas.openxmlformats.org/officeDocument/2006/relationships" xmlns:p="http://schemas.openxmlformats.org/presentationml/2006/main">
-  <p:cSld>
-    <p:spTree>
-      <p:nvGrpSpPr>
-        <p:cNvPr id="1" name=""/>
-        <p:cNvGrpSpPr/>
-        <p:nvPr/>
-      </p:nvGrpSpPr>
-      <p:grpSpPr>
-        <a:xfrm>
-          <a:off x="0" y="0"/>
-          <a:ext cx="0" cy="0"/>
-          <a:chOff x="0" y="0"/>
-          <a:chExt cx="0" cy="0"/>
-        </a:xfrm>
-      </p:grpSpPr>
-      <p:sp>
-        <p:nvSpPr>
-          <p:cNvPr id="4" name="Title 3"/>
-          <p:cNvSpPr>
-            <a:spLocks noGrp="1"/>
-          </p:cNvSpPr>
-          <p:nvPr>
-            <p:ph type="title"/>
-          </p:nvPr>
-        </p:nvSpPr>
-        <p:spPr/>
-        <p:txBody>
-          <a:bodyPr>
-            <a:normAutofit/>
-          </a:bodyPr>
-          <a:lstStyle/>
-          <a:p>
-            <a:r>
-              <a:rPr lang="en-US" dirty="0" err="1" smtClean="0"/>
-              <a:t>Xamarin</a:t>
-            </a:r>
-            <a:r>
-              <a:rPr lang="en-US" dirty="0" smtClean="0"/>
-              <a:t> </a:t>
-            </a:r>
-            <a:r>
-              <a:rPr lang="en-US" dirty="0" smtClean="0"/>
-              <a:t>NEWS 1</a:t>
-            </a:r>
-            <a:endParaRPr lang="en-US" dirty="0"/>
-          </a:p>
-        </p:txBody>
-      </p:sp>
-      <p:sp>
-        <p:nvSpPr>
-          <p:cNvPr id="5" name="Content Placeholder 4"/>
-          <p:cNvSpPr>
-            <a:spLocks noGrp="1"/>
-          </p:cNvSpPr>
-          <p:nvPr>
-            <p:ph sz="quarter" idx="10"/>
-          </p:nvPr>
-        </p:nvSpPr>
-        <p:spPr/>
-        <p:txBody>
-          <a:bodyPr>
-            <a:normAutofit/>
-          </a:bodyPr>
-          <a:lstStyle/>
-          <a:p>
-            <a:r>
-              <a:rPr lang="en-US" dirty="0" smtClean="0"/>
-              <a:t>OS updates</a:t>
-            </a:r>
-          </a:p>
-          <a:p>
-            <a:pPr lvl="1"/>
-            <a:r>
-              <a:rPr lang="en-US" dirty="0" err="1" smtClean="0"/>
-              <a:t>Xamarin</a:t>
-            </a:r>
-            <a:r>
-              <a:rPr lang="en-US" dirty="0" smtClean="0"/>
-              <a:t> Platform updates</a:t>
-            </a:r>
-          </a:p>
-          <a:p>
-            <a:pPr lvl="2"/>
-            <a:r>
-              <a:rPr lang="en-US" dirty="0" smtClean="0"/>
-              <a:t>iOS10</a:t>
-            </a:r>
-            <a:endParaRPr lang="en-US" dirty="0" smtClean="0"/>
-          </a:p>
-          <a:p>
-            <a:pPr lvl="2"/>
-            <a:r>
-              <a:rPr lang="en-US" dirty="0" smtClean="0"/>
-              <a:t>Android N (Nougat) Android 7</a:t>
-            </a:r>
-          </a:p>
-          <a:p>
-            <a:r>
-              <a:rPr lang="en-US" dirty="0" err="1" smtClean="0"/>
-              <a:t>Xamarin.IOS.Simulator</a:t>
-            </a:r>
-            <a:r>
-              <a:rPr lang="en-US" dirty="0" smtClean="0"/>
-              <a:t> for Visual Studio</a:t>
-            </a:r>
-          </a:p>
-          <a:p>
-            <a:r>
-              <a:rPr lang="en-US" dirty="0" smtClean="0"/>
-              <a:t>Ecosystem + Productivity</a:t>
-            </a:r>
-          </a:p>
-          <a:p>
-            <a:pPr lvl="1"/>
-            <a:r>
-              <a:rPr lang="en-US" dirty="0" err="1" smtClean="0"/>
-              <a:t>Xamarin.Android.BindingsGenerator</a:t>
-            </a:r>
-            <a:r>
-              <a:rPr lang="en-US" dirty="0" smtClean="0"/>
-              <a:t> </a:t>
-            </a:r>
-            <a:endParaRPr lang="en-US" dirty="0" smtClean="0"/>
-          </a:p>
-          <a:p>
-            <a:pPr lvl="2"/>
-            <a:r>
-              <a:rPr lang="en-US" dirty="0" smtClean="0"/>
-              <a:t>class-parse</a:t>
-            </a:r>
-          </a:p>
-          <a:p>
-            <a:pPr lvl="2"/>
-            <a:r>
-              <a:rPr lang="en-US" dirty="0"/>
-              <a:t>j</a:t>
-            </a:r>
-            <a:r>
-              <a:rPr lang="en-US" dirty="0" smtClean="0"/>
-              <a:t>ar2xml (old)</a:t>
-            </a:r>
-          </a:p>
-          <a:p>
-            <a:pPr lvl="1"/>
-            <a:r>
-              <a:rPr lang="en-US" dirty="0" err="1" smtClean="0"/>
-              <a:t>Xamarin.iOS.Bindings</a:t>
-            </a:r>
-            <a:endParaRPr lang="en-US" dirty="0" smtClean="0"/>
-          </a:p>
-          <a:p>
-            <a:pPr lvl="2"/>
-            <a:r>
-              <a:rPr lang="en-US" dirty="0" smtClean="0"/>
-              <a:t>Objective-sharpie 3.3</a:t>
-            </a:r>
-            <a:br>
-              <a:rPr lang="en-US" dirty="0" smtClean="0"/>
-            </a:br>
-            <a:r>
-              <a:rPr lang="en-US" dirty="0" smtClean="0"/>
-              <a:t>iOS, Mac OS, </a:t>
-            </a:r>
-            <a:r>
-              <a:rPr lang="en-US" dirty="0" err="1" smtClean="0"/>
-              <a:t>tvOS</a:t>
-            </a:r>
-            <a:endParaRPr lang="en-US" dirty="0" smtClean="0"/>
-          </a:p>
-          <a:p>
-            <a:endParaRPr lang="en-US" dirty="0" smtClean="0"/>
-          </a:p>
-          <a:p>
-            <a:endParaRPr lang="en-US" dirty="0"/>
-          </a:p>
-        </p:txBody>
-      </p:sp>
-    </p:spTree>
-    <p:extLst>
-      <p:ext uri="{BB962C8B-B14F-4D97-AF65-F5344CB8AC3E}">
-        <p14:creationId xmlns:p14="http://schemas.microsoft.com/office/powerpoint/2010/main" val="2069809300"/>
-      </p:ext>
-    </p:extLst>
-  </p:cSld>
-  <p:clrMapOvr>
-    <a:masterClrMapping/>
-  </p:clrMapOvr>
-  <p:timing>
-    <p:tnLst>
-      <p:par>
-        <p:cTn id="1" dur="indefinite" restart="never" nodeType="tmRoot"/>
-      </p:par>
-    </p:tnLst>
-  </p:timing>
-</p:sld>
-</file>
-
-<file path=ppt/slides/slide12.xml><?xml version="1.0" encoding="utf-8"?>
-<p:sld xmlns:a="http://schemas.openxmlformats.org/drawingml/2006/main" xmlns:r="http://schemas.openxmlformats.org/officeDocument/2006/relationships" xmlns:p="http://schemas.openxmlformats.org/presentationml/2006/main">
-  <p:cSld>
-    <p:spTree>
-      <p:nvGrpSpPr>
-        <p:cNvPr id="1" name=""/>
-        <p:cNvGrpSpPr/>
-        <p:nvPr/>
-      </p:nvGrpSpPr>
-      <p:grpSpPr>
-        <a:xfrm>
-          <a:off x="0" y="0"/>
-          <a:ext cx="0" cy="0"/>
-          <a:chOff x="0" y="0"/>
-          <a:chExt cx="0" cy="0"/>
-        </a:xfrm>
-      </p:grpSpPr>
-      <p:sp>
-        <p:nvSpPr>
-          <p:cNvPr id="4" name="Title 3"/>
-          <p:cNvSpPr>
-            <a:spLocks noGrp="1"/>
-          </p:cNvSpPr>
-          <p:nvPr>
-            <p:ph type="title"/>
-          </p:nvPr>
-        </p:nvSpPr>
-        <p:spPr/>
-        <p:txBody>
-          <a:bodyPr>
-            <a:normAutofit/>
-          </a:bodyPr>
-          <a:lstStyle/>
-          <a:p>
-            <a:r>
-              <a:rPr lang="en-US" dirty="0" err="1" smtClean="0"/>
-              <a:t>Xamarin</a:t>
-            </a:r>
-            <a:r>
-              <a:rPr lang="en-US" dirty="0" smtClean="0"/>
-              <a:t> </a:t>
-            </a:r>
-            <a:r>
-              <a:rPr lang="en-US" dirty="0" smtClean="0"/>
-              <a:t>NEWS 2</a:t>
-            </a:r>
-            <a:endParaRPr lang="en-US" dirty="0"/>
-          </a:p>
-        </p:txBody>
-      </p:sp>
-      <p:sp>
-        <p:nvSpPr>
-          <p:cNvPr id="5" name="Content Placeholder 4"/>
-          <p:cNvSpPr>
-            <a:spLocks noGrp="1"/>
-          </p:cNvSpPr>
-          <p:nvPr>
-            <p:ph sz="quarter" idx="10"/>
-          </p:nvPr>
-        </p:nvSpPr>
-        <p:spPr/>
-        <p:txBody>
-          <a:bodyPr>
-            <a:normAutofit/>
-          </a:bodyPr>
-          <a:lstStyle/>
-          <a:p>
-            <a:r>
-              <a:rPr lang="en-US" dirty="0"/>
-              <a:t>Ecosystem + Productivity</a:t>
-            </a:r>
-          </a:p>
-          <a:p>
-            <a:pPr lvl="1"/>
-            <a:r>
-              <a:rPr lang="en-US" dirty="0" smtClean="0"/>
-              <a:t>Libraries c/</a:t>
-            </a:r>
-            <a:r>
-              <a:rPr lang="en-US" dirty="0" err="1" smtClean="0"/>
-              <a:t>c</a:t>
-            </a:r>
-            <a:r>
-              <a:rPr lang="en-US" dirty="0" err="1" smtClean="0"/>
-              <a:t>++</a:t>
-            </a:r>
-            <a:r>
-              <a:rPr lang="en-US" dirty="0" smtClean="0"/>
-              <a:t> </a:t>
-            </a:r>
-            <a:r>
-              <a:rPr lang="en-US" dirty="0" err="1" smtClean="0"/>
-              <a:t>Bidnings</a:t>
-            </a:r>
-            <a:r>
-              <a:rPr lang="en-US" dirty="0" smtClean="0"/>
-              <a:t> (new libraries)</a:t>
-            </a:r>
-          </a:p>
-          <a:p>
-            <a:pPr lvl="2"/>
-            <a:r>
-              <a:rPr lang="en-US" dirty="0" smtClean="0"/>
-              <a:t>Published/released (alpha/beta/release)</a:t>
-            </a:r>
-          </a:p>
-          <a:p>
-            <a:pPr lvl="3"/>
-            <a:r>
-              <a:rPr lang="en-US" dirty="0" err="1" smtClean="0"/>
-              <a:t>SkiaSharp</a:t>
-            </a:r>
-            <a:r>
-              <a:rPr lang="en-US" dirty="0" smtClean="0"/>
-              <a:t> </a:t>
-            </a:r>
-            <a:r>
-              <a:rPr lang="en-US" dirty="0" smtClean="0"/>
-              <a:t>2D Portable graphics library (</a:t>
-            </a:r>
-            <a:r>
-              <a:rPr lang="en-US" dirty="0" err="1" smtClean="0"/>
-              <a:t>System.Drawing</a:t>
-            </a:r>
-            <a:r>
-              <a:rPr lang="en-US" dirty="0" smtClean="0"/>
-              <a:t>)</a:t>
-            </a:r>
-          </a:p>
-          <a:p>
-            <a:pPr lvl="3"/>
-            <a:r>
-              <a:rPr lang="en-US" dirty="0" err="1" smtClean="0"/>
-              <a:t>VulkanSharp</a:t>
-            </a:r>
-            <a:r>
-              <a:rPr lang="en-US" dirty="0" smtClean="0"/>
-              <a:t> (Graphics Hardware API, </a:t>
-            </a:r>
-            <a:r>
-              <a:rPr lang="en-US" dirty="0" err="1" smtClean="0"/>
-              <a:t>xplat</a:t>
-            </a:r>
-            <a:r>
-              <a:rPr lang="en-US" dirty="0" smtClean="0"/>
-              <a:t>)</a:t>
-            </a:r>
-          </a:p>
-          <a:p>
-            <a:pPr lvl="2"/>
-            <a:r>
-              <a:rPr lang="en-US" dirty="0" smtClean="0"/>
-              <a:t>Dusting off (planned)</a:t>
-            </a:r>
-          </a:p>
-          <a:p>
-            <a:pPr lvl="3"/>
-            <a:r>
-              <a:rPr lang="en-US" dirty="0" err="1" smtClean="0"/>
-              <a:t>OpenCV</a:t>
-            </a:r>
-            <a:endParaRPr lang="en-US" dirty="0" smtClean="0"/>
-          </a:p>
-          <a:p>
-            <a:pPr lvl="3"/>
-            <a:r>
-              <a:rPr lang="en-US" dirty="0" err="1" smtClean="0"/>
-              <a:t>OpenEars</a:t>
-            </a:r>
-            <a:endParaRPr lang="en-US" dirty="0" smtClean="0"/>
-          </a:p>
-          <a:p>
-            <a:pPr lvl="3"/>
-            <a:r>
-              <a:rPr lang="en-US" dirty="0" smtClean="0"/>
-              <a:t>PJSIP</a:t>
-            </a:r>
-            <a:endParaRPr lang="en-US" dirty="0" smtClean="0"/>
-          </a:p>
-          <a:p>
-            <a:endParaRPr lang="en-US" dirty="0" smtClean="0"/>
-          </a:p>
-          <a:p>
-            <a:endParaRPr lang="en-US" dirty="0" smtClean="0"/>
-          </a:p>
-          <a:p>
-            <a:endParaRPr lang="en-US" dirty="0"/>
-          </a:p>
-        </p:txBody>
-      </p:sp>
-    </p:spTree>
-    <p:extLst>
-      <p:ext uri="{BB962C8B-B14F-4D97-AF65-F5344CB8AC3E}">
-        <p14:creationId xmlns:p14="http://schemas.microsoft.com/office/powerpoint/2010/main" val="344722555"/>
-      </p:ext>
-    </p:extLst>
-  </p:cSld>
-  <p:clrMapOvr>
-    <a:masterClrMapping/>
-  </p:clrMapOvr>
-  <p:timing>
-    <p:tnLst>
-      <p:par>
-        <p:cTn id="1" dur="indefinite" restart="never" nodeType="tmRoot"/>
-      </p:par>
-    </p:tnLst>
-  </p:timing>
-</p:sld>
-</file>
-
-<file path=ppt/slides/slide13.xml><?xml version="1.0" encoding="utf-8"?>
-<p:sld xmlns:a="http://schemas.openxmlformats.org/drawingml/2006/main" xmlns:r="http://schemas.openxmlformats.org/officeDocument/2006/relationships" xmlns:p="http://schemas.openxmlformats.org/presentationml/2006/main">
-  <p:cSld>
-    <p:spTree>
-      <p:nvGrpSpPr>
-        <p:cNvPr id="1" name=""/>
-        <p:cNvGrpSpPr/>
-        <p:nvPr/>
-      </p:nvGrpSpPr>
-      <p:grpSpPr>
-        <a:xfrm>
-          <a:off x="0" y="0"/>
-          <a:ext cx="0" cy="0"/>
-          <a:chOff x="0" y="0"/>
-          <a:chExt cx="0" cy="0"/>
-        </a:xfrm>
-      </p:grpSpPr>
-      <p:sp>
-        <p:nvSpPr>
-          <p:cNvPr id="4" name="Title 3"/>
-          <p:cNvSpPr>
-            <a:spLocks noGrp="1"/>
-          </p:cNvSpPr>
-          <p:nvPr>
-            <p:ph type="title"/>
-          </p:nvPr>
-        </p:nvSpPr>
-        <p:spPr/>
-        <p:txBody>
-          <a:bodyPr>
-            <a:normAutofit fontScale="90000"/>
-          </a:bodyPr>
-          <a:lstStyle/>
-          <a:p>
-            <a:r>
-              <a:rPr lang="en-US" dirty="0" err="1" smtClean="0"/>
-              <a:t>Xamarin</a:t>
-            </a:r>
-            <a:r>
-              <a:rPr lang="en-US" dirty="0" smtClean="0"/>
-              <a:t> Technology Stack – Nomenclature </a:t>
-            </a:r>
-            <a:endParaRPr lang="en-US" dirty="0"/>
-          </a:p>
-        </p:txBody>
-      </p:sp>
-      <p:sp>
-        <p:nvSpPr>
-          <p:cNvPr id="5" name="Content Placeholder 4"/>
-          <p:cNvSpPr>
-            <a:spLocks noGrp="1"/>
-          </p:cNvSpPr>
-          <p:nvPr>
-            <p:ph sz="quarter" idx="10"/>
-          </p:nvPr>
-        </p:nvSpPr>
-        <p:spPr/>
-        <p:txBody>
-          <a:bodyPr>
-            <a:normAutofit/>
-          </a:bodyPr>
-          <a:lstStyle/>
-          <a:p>
-            <a:r>
-              <a:rPr lang="en-US" dirty="0" smtClean="0"/>
-              <a:t>Technology Stack</a:t>
-            </a:r>
-          </a:p>
-          <a:p>
-            <a:pPr lvl="1"/>
-            <a:r>
-              <a:rPr lang="en-US" dirty="0" err="1" smtClean="0"/>
-              <a:t>Xamarin</a:t>
-            </a:r>
-            <a:r>
-              <a:rPr lang="en-US" dirty="0" smtClean="0"/>
-              <a:t> </a:t>
-            </a:r>
-            <a:r>
-              <a:rPr lang="en-US" b="1" dirty="0" smtClean="0"/>
-              <a:t>Traditional/Standard</a:t>
-            </a:r>
-            <a:r>
-              <a:rPr lang="en-US" dirty="0" smtClean="0"/>
-              <a:t> </a:t>
-            </a:r>
-          </a:p>
-          <a:p>
-            <a:pPr lvl="2"/>
-            <a:r>
-              <a:rPr lang="en-US" dirty="0" err="1" smtClean="0"/>
-              <a:t>Xamarin.Android</a:t>
-            </a:r>
-            <a:endParaRPr lang="en-US" dirty="0" smtClean="0"/>
-          </a:p>
-          <a:p>
-            <a:pPr lvl="2"/>
-            <a:r>
-              <a:rPr lang="en-US" dirty="0" err="1" smtClean="0"/>
-              <a:t>Xamarin.iOS</a:t>
-            </a:r>
-            <a:endParaRPr lang="en-US" dirty="0" smtClean="0"/>
-          </a:p>
-          <a:p>
-            <a:pPr lvl="3"/>
-            <a:r>
-              <a:rPr lang="en-US" dirty="0" smtClean="0"/>
-              <a:t>Classic </a:t>
-            </a:r>
-          </a:p>
-          <a:p>
-            <a:pPr lvl="3"/>
-            <a:r>
-              <a:rPr lang="en-US" dirty="0" smtClean="0"/>
-              <a:t>deprecated/obsolete</a:t>
-            </a:r>
-          </a:p>
-          <a:p>
-            <a:pPr lvl="1"/>
-            <a:r>
-              <a:rPr lang="en-US" dirty="0" err="1" smtClean="0"/>
-              <a:t>Xamarin.Forms</a:t>
-            </a:r>
-            <a:endParaRPr lang="en-US" dirty="0" smtClean="0"/>
-          </a:p>
-          <a:p>
-            <a:endParaRPr lang="en-US" dirty="0" smtClean="0"/>
-          </a:p>
-          <a:p>
-            <a:endParaRPr lang="en-US" dirty="0"/>
-          </a:p>
-          <a:p>
-            <a:r>
-              <a:rPr lang="en-US" dirty="0" smtClean="0"/>
-              <a:t>Even </a:t>
-            </a:r>
-            <a:r>
-              <a:rPr lang="en-US" dirty="0"/>
-              <a:t>the best people in filed make mistakes</a:t>
-            </a:r>
-          </a:p>
-          <a:p>
-            <a:pPr lvl="1"/>
-            <a:r>
-              <a:rPr lang="en-US" dirty="0"/>
-              <a:t>Ivan </a:t>
-            </a:r>
-            <a:r>
-              <a:rPr lang="en-US" dirty="0" err="1"/>
-              <a:t>Čuljak</a:t>
-            </a:r>
-            <a:r>
-              <a:rPr lang="en-US" dirty="0"/>
-              <a:t> used </a:t>
-            </a:r>
-            <a:r>
-              <a:rPr lang="en-US" dirty="0" err="1"/>
-              <a:t>Xamarin</a:t>
-            </a:r>
-            <a:r>
-              <a:rPr lang="en-US" dirty="0"/>
-              <a:t> Classic – for </a:t>
-            </a:r>
-            <a:r>
-              <a:rPr lang="en-US" dirty="0" smtClean="0"/>
-              <a:t>Standard/Traditional</a:t>
-            </a:r>
-          </a:p>
-        </p:txBody>
-      </p:sp>
-    </p:spTree>
-    <p:extLst>
-      <p:ext uri="{BB962C8B-B14F-4D97-AF65-F5344CB8AC3E}">
-        <p14:creationId xmlns:p14="http://schemas.microsoft.com/office/powerpoint/2010/main" val="819088858"/>
-      </p:ext>
-    </p:extLst>
-  </p:cSld>
-  <p:clrMapOvr>
-    <a:masterClrMapping/>
-  </p:clrMapOvr>
-  <p:timing>
-    <p:tnLst>
-      <p:par>
-        <p:cTn id="1" dur="indefinite" restart="never" nodeType="tmRoot"/>
-      </p:par>
-    </p:tnLst>
-  </p:timing>
-</p:sld>
-</file>
-
-<file path=ppt/slides/slide14.xml><?xml version="1.0" encoding="utf-8"?>
-<p:sld xmlns:a="http://schemas.openxmlformats.org/drawingml/2006/main" xmlns:r="http://schemas.openxmlformats.org/officeDocument/2006/relationships" xmlns:p="http://schemas.openxmlformats.org/presentationml/2006/main">
-  <p:cSld>
-    <p:spTree>
-      <p:nvGrpSpPr>
-        <p:cNvPr id="1" name=""/>
-        <p:cNvGrpSpPr/>
-        <p:nvPr/>
-      </p:nvGrpSpPr>
-      <p:grpSpPr>
-        <a:xfrm>
-          <a:off x="0" y="0"/>
-          <a:ext cx="0" cy="0"/>
-          <a:chOff x="0" y="0"/>
-          <a:chExt cx="0" cy="0"/>
-        </a:xfrm>
-      </p:grpSpPr>
-      <p:sp>
-        <p:nvSpPr>
-          <p:cNvPr id="4" name="Title 3"/>
-          <p:cNvSpPr>
-            <a:spLocks noGrp="1"/>
-          </p:cNvSpPr>
-          <p:nvPr>
-            <p:ph type="title"/>
-          </p:nvPr>
-        </p:nvSpPr>
-        <p:spPr/>
-        <p:txBody>
-          <a:bodyPr>
-            <a:normAutofit fontScale="90000"/>
-          </a:bodyPr>
-          <a:lstStyle/>
-          <a:p>
-            <a:r>
-              <a:rPr lang="en-US" dirty="0" err="1" smtClean="0"/>
-              <a:t>Xamarin</a:t>
-            </a:r>
-            <a:r>
-              <a:rPr lang="en-US" dirty="0" smtClean="0"/>
-              <a:t> Technology Stack – Nomenclature </a:t>
-            </a:r>
-            <a:endParaRPr lang="en-US" dirty="0"/>
-          </a:p>
-        </p:txBody>
-      </p:sp>
-      <p:sp>
-        <p:nvSpPr>
-          <p:cNvPr id="5" name="Content Placeholder 4"/>
-          <p:cNvSpPr>
-            <a:spLocks noGrp="1"/>
-          </p:cNvSpPr>
-          <p:nvPr>
-            <p:ph sz="quarter" idx="10"/>
-          </p:nvPr>
-        </p:nvSpPr>
-        <p:spPr/>
-        <p:txBody>
-          <a:bodyPr>
-            <a:normAutofit/>
-          </a:bodyPr>
-          <a:lstStyle/>
-          <a:p>
-            <a:r>
-              <a:rPr lang="en-US" dirty="0"/>
-              <a:t>Other products</a:t>
-            </a:r>
-          </a:p>
-          <a:p>
-            <a:pPr lvl="1"/>
-            <a:r>
-              <a:rPr lang="en-US" dirty="0" smtClean="0"/>
-              <a:t>IDE</a:t>
-            </a:r>
-          </a:p>
-          <a:p>
-            <a:pPr lvl="2"/>
-            <a:r>
-              <a:rPr lang="en-US" dirty="0" err="1" smtClean="0"/>
-              <a:t>Xamarin.Studio</a:t>
-            </a:r>
-            <a:r>
-              <a:rPr lang="en-US" dirty="0" smtClean="0"/>
-              <a:t> </a:t>
-            </a:r>
-            <a:r>
-              <a:rPr lang="en-US" dirty="0"/>
-              <a:t>= </a:t>
-            </a:r>
-            <a:r>
-              <a:rPr lang="en-US" dirty="0" err="1"/>
-              <a:t>MonoDevelop</a:t>
-            </a:r>
-            <a:r>
-              <a:rPr lang="en-US" dirty="0"/>
-              <a:t> on </a:t>
-            </a:r>
-            <a:r>
-              <a:rPr lang="en-US" dirty="0" err="1"/>
-              <a:t>stereoids</a:t>
-            </a:r>
-            <a:endParaRPr lang="en-US" dirty="0"/>
-          </a:p>
-          <a:p>
-            <a:pPr lvl="1"/>
-            <a:r>
-              <a:rPr lang="en-US" dirty="0" err="1" smtClean="0"/>
-              <a:t>Xamarin.Profiler</a:t>
-            </a:r>
-            <a:endParaRPr lang="en-US" dirty="0" smtClean="0"/>
-          </a:p>
-          <a:p>
-            <a:pPr lvl="1"/>
-            <a:r>
-              <a:rPr lang="en-US" dirty="0" err="1" smtClean="0"/>
-              <a:t>Xamarin.UITest</a:t>
-            </a:r>
-            <a:endParaRPr lang="en-US" dirty="0" smtClean="0"/>
-          </a:p>
-          <a:p>
-            <a:pPr lvl="1"/>
-            <a:r>
-              <a:rPr lang="en-US" dirty="0" err="1"/>
-              <a:t>Xamarin.Test.Recorder</a:t>
-            </a:r>
-            <a:endParaRPr lang="en-US" dirty="0"/>
-          </a:p>
-          <a:p>
-            <a:pPr lvl="1"/>
-            <a:r>
-              <a:rPr lang="en-US" dirty="0" err="1" smtClean="0"/>
-              <a:t>Xamarin.Test.Cloud</a:t>
-            </a:r>
-            <a:endParaRPr lang="en-US" dirty="0"/>
-          </a:p>
-          <a:p>
-            <a:pPr lvl="1"/>
-            <a:r>
-              <a:rPr lang="en-US" dirty="0" err="1" smtClean="0"/>
-              <a:t>Xamarin.Interactive</a:t>
-            </a:r>
-            <a:r>
-              <a:rPr lang="en-US" dirty="0" smtClean="0"/>
-              <a:t> </a:t>
-            </a:r>
-            <a:r>
-              <a:rPr lang="en-US" dirty="0"/>
-              <a:t>= Workbooks + </a:t>
-            </a:r>
-            <a:r>
-              <a:rPr lang="en-US" dirty="0" smtClean="0"/>
-              <a:t>Inspector</a:t>
-            </a:r>
-            <a:br>
-              <a:rPr lang="en-US" dirty="0" smtClean="0"/>
-            </a:br>
-            <a:r>
-              <a:rPr lang="en-US" dirty="0" smtClean="0"/>
-              <a:t>markdown + code</a:t>
-            </a:r>
-            <a:br>
-              <a:rPr lang="en-US" dirty="0" smtClean="0"/>
-            </a:br>
-            <a:r>
-              <a:rPr lang="en-US" dirty="0" smtClean="0"/>
-              <a:t>EXECUTABLE</a:t>
-            </a:r>
-            <a:r>
-              <a:rPr lang="en-US" dirty="0" smtClean="0"/>
-              <a:t>!!!!</a:t>
-            </a:r>
-          </a:p>
-          <a:p>
-            <a:pPr lvl="1"/>
-            <a:r>
-              <a:rPr lang="en-US" dirty="0" err="1" smtClean="0"/>
-              <a:t>Xamarin.University</a:t>
-            </a:r>
-            <a:r>
-              <a:rPr lang="en-US" dirty="0" smtClean="0"/>
-              <a:t/>
-            </a:r>
-            <a:br>
-              <a:rPr lang="en-US" dirty="0" smtClean="0"/>
-            </a:br>
-            <a:r>
-              <a:rPr lang="en-US" dirty="0" smtClean="0"/>
-              <a:t>yes this is a product</a:t>
-            </a:r>
-            <a:endParaRPr lang="en-US" dirty="0"/>
-          </a:p>
-        </p:txBody>
-      </p:sp>
-    </p:spTree>
-    <p:extLst>
-      <p:ext uri="{BB962C8B-B14F-4D97-AF65-F5344CB8AC3E}">
-        <p14:creationId xmlns:p14="http://schemas.microsoft.com/office/powerpoint/2010/main" val="1175090838"/>
-      </p:ext>
-    </p:extLst>
-  </p:cSld>
-  <p:clrMapOvr>
-    <a:masterClrMapping/>
-  </p:clrMapOvr>
-  <p:timing>
-    <p:tnLst>
-      <p:par>
-        <p:cTn id="1" dur="indefinite" restart="never" nodeType="tmRoot"/>
-      </p:par>
-    </p:tnLst>
-  </p:timing>
-</p:sld>
-</file>
-
-<file path=ppt/slides/slide15.xml><?xml version="1.0" encoding="utf-8"?>
-<p:sld xmlns:a="http://schemas.openxmlformats.org/drawingml/2006/main" xmlns:r="http://schemas.openxmlformats.org/officeDocument/2006/relationships" xmlns:p="http://schemas.openxmlformats.org/presentationml/2006/main">
-  <p:cSld>
-    <p:spTree>
-      <p:nvGrpSpPr>
-        <p:cNvPr id="1" name=""/>
-        <p:cNvGrpSpPr/>
-        <p:nvPr/>
-      </p:nvGrpSpPr>
-      <p:grpSpPr>
-        <a:xfrm>
-          <a:off x="0" y="0"/>
-          <a:ext cx="0" cy="0"/>
-          <a:chOff x="0" y="0"/>
-          <a:chExt cx="0" cy="0"/>
-        </a:xfrm>
-      </p:grpSpPr>
-      <p:sp>
-        <p:nvSpPr>
-          <p:cNvPr id="4" name="Title 3"/>
-          <p:cNvSpPr>
-            <a:spLocks noGrp="1"/>
-          </p:cNvSpPr>
-          <p:nvPr>
-            <p:ph type="title"/>
-          </p:nvPr>
-        </p:nvSpPr>
-        <p:spPr/>
-        <p:txBody>
-          <a:bodyPr>
-            <a:normAutofit/>
-          </a:bodyPr>
-          <a:lstStyle/>
-          <a:p>
-            <a:r>
-              <a:rPr lang="en-US" dirty="0" err="1" smtClean="0"/>
-              <a:t>Xamarin</a:t>
-            </a:r>
-            <a:r>
-              <a:rPr lang="en-US" dirty="0" smtClean="0"/>
-              <a:t> Technology Stack – </a:t>
-            </a:r>
-            <a:r>
-              <a:rPr lang="en-US" dirty="0" smtClean="0"/>
-              <a:t>Target </a:t>
-            </a:r>
-            <a:endParaRPr lang="en-US" dirty="0"/>
-          </a:p>
-        </p:txBody>
-      </p:sp>
-      <p:sp>
-        <p:nvSpPr>
-          <p:cNvPr id="5" name="Content Placeholder 4"/>
-          <p:cNvSpPr>
-            <a:spLocks noGrp="1"/>
-          </p:cNvSpPr>
-          <p:nvPr>
-            <p:ph sz="quarter" idx="10"/>
-          </p:nvPr>
-        </p:nvSpPr>
-        <p:spPr/>
-        <p:txBody>
-          <a:bodyPr>
-            <a:normAutofit lnSpcReduction="10000"/>
-          </a:bodyPr>
-          <a:lstStyle/>
-          <a:p>
-            <a:r>
-              <a:rPr lang="en-US" dirty="0" err="1" smtClean="0"/>
-              <a:t>Xamarin</a:t>
-            </a:r>
-            <a:r>
-              <a:rPr lang="en-US" dirty="0" smtClean="0"/>
-              <a:t> is targeting</a:t>
-            </a:r>
-            <a:endParaRPr lang="en-US" dirty="0"/>
-          </a:p>
-          <a:p>
-            <a:pPr lvl="1"/>
-            <a:r>
-              <a:rPr lang="en-US" dirty="0" err="1" smtClean="0"/>
-              <a:t>Xplat</a:t>
-            </a:r>
-            <a:r>
-              <a:rPr lang="en-US" dirty="0" smtClean="0"/>
-              <a:t> </a:t>
-            </a:r>
-            <a:r>
-              <a:rPr lang="en-US" dirty="0" err="1" smtClean="0"/>
-              <a:t>devs</a:t>
-            </a:r>
-            <a:r>
-              <a:rPr lang="en-US" dirty="0" smtClean="0"/>
-              <a:t> (companies or individuals)</a:t>
-            </a:r>
-            <a:endParaRPr lang="en-US" dirty="0" smtClean="0"/>
-          </a:p>
-          <a:p>
-            <a:pPr lvl="2"/>
-            <a:r>
-              <a:rPr lang="en-US" dirty="0" smtClean="0"/>
-              <a:t>App targeting &gt; 1 platform</a:t>
-            </a:r>
-          </a:p>
-          <a:p>
-            <a:pPr lvl="3"/>
-            <a:r>
-              <a:rPr lang="en-US" dirty="0" smtClean="0"/>
-              <a:t>Options: java or {</a:t>
-            </a:r>
-            <a:r>
-              <a:rPr lang="en-US" dirty="0" err="1" smtClean="0"/>
-              <a:t>javascript</a:t>
-            </a:r>
-            <a:r>
-              <a:rPr lang="en-US" dirty="0" smtClean="0"/>
-              <a:t>, HTML, </a:t>
-            </a:r>
-            <a:r>
-              <a:rPr lang="en-US" dirty="0" err="1" smtClean="0"/>
-              <a:t>css</a:t>
-            </a:r>
-            <a:r>
-              <a:rPr lang="en-US" dirty="0" smtClean="0"/>
-              <a:t>}</a:t>
-            </a:r>
-          </a:p>
-          <a:p>
-            <a:pPr lvl="3"/>
-            <a:r>
-              <a:rPr lang="en-US" dirty="0" smtClean="0"/>
-              <a:t>Horizontal or vertical</a:t>
-            </a:r>
-          </a:p>
-          <a:p>
-            <a:pPr lvl="4"/>
-            <a:r>
-              <a:rPr lang="en-US" dirty="0" smtClean="0"/>
-              <a:t>Vertical:</a:t>
-            </a:r>
-          </a:p>
-          <a:p>
-            <a:pPr lvl="5"/>
-            <a:r>
-              <a:rPr lang="en-US" dirty="0" smtClean="0"/>
-              <a:t>Mobile - horizontal: Android, iOS, </a:t>
-            </a:r>
-            <a:r>
-              <a:rPr lang="en-US" dirty="0" err="1" smtClean="0"/>
-              <a:t>WindowsPhone</a:t>
-            </a:r>
-            <a:r>
-              <a:rPr lang="en-US" dirty="0" smtClean="0"/>
-              <a:t>, UWP</a:t>
-            </a:r>
-          </a:p>
-          <a:p>
-            <a:pPr lvl="5"/>
-            <a:r>
-              <a:rPr lang="en-US" dirty="0" smtClean="0"/>
-              <a:t>Desktop - horizontal: </a:t>
-            </a:r>
-          </a:p>
-          <a:p>
-            <a:pPr lvl="6"/>
-            <a:r>
-              <a:rPr lang="en-US" dirty="0" smtClean="0"/>
-              <a:t>Windows (WPF, </a:t>
-            </a:r>
-            <a:r>
-              <a:rPr lang="en-US" dirty="0" err="1" smtClean="0"/>
-              <a:t>Windows.Forms</a:t>
-            </a:r>
-            <a:r>
-              <a:rPr lang="en-US" dirty="0" smtClean="0"/>
-              <a:t>, UWP)</a:t>
-            </a:r>
-          </a:p>
-          <a:p>
-            <a:pPr lvl="6"/>
-            <a:r>
-              <a:rPr lang="en-US" dirty="0" err="1" smtClean="0"/>
-              <a:t>MacOSX</a:t>
-            </a:r>
-            <a:endParaRPr lang="en-US" dirty="0" smtClean="0"/>
-          </a:p>
-          <a:p>
-            <a:pPr lvl="6"/>
-            <a:r>
-              <a:rPr lang="en-US" dirty="0" smtClean="0"/>
-              <a:t>Linux</a:t>
-            </a:r>
-          </a:p>
-          <a:p>
-            <a:pPr lvl="5"/>
-            <a:r>
-              <a:rPr lang="en-US" dirty="0" smtClean="0"/>
-              <a:t>Server – </a:t>
-            </a:r>
-            <a:r>
-              <a:rPr lang="en-US" dirty="0" err="1" smtClean="0"/>
-              <a:t>ASP.net</a:t>
-            </a:r>
-            <a:r>
-              <a:rPr lang="en-US" dirty="0" smtClean="0"/>
-              <a:t> and/or </a:t>
-            </a:r>
-            <a:r>
-              <a:rPr lang="en-US" dirty="0" err="1" smtClean="0"/>
-              <a:t>ASP.net</a:t>
-            </a:r>
-            <a:r>
-              <a:rPr lang="en-US" dirty="0" smtClean="0"/>
-              <a:t> core (Windows, Mac, Linux)</a:t>
-            </a:r>
-          </a:p>
-          <a:p>
-            <a:pPr lvl="1"/>
-            <a:r>
-              <a:rPr lang="en-US" dirty="0" smtClean="0"/>
-              <a:t>Dot net shops</a:t>
-            </a:r>
-            <a:br>
-              <a:rPr lang="en-US" dirty="0" smtClean="0"/>
-            </a:br>
-            <a:r>
-              <a:rPr lang="en-US" dirty="0" smtClean="0"/>
-              <a:t>App written for some Microsoft platform</a:t>
-            </a:r>
-            <a:endParaRPr lang="en-US" dirty="0"/>
-          </a:p>
-        </p:txBody>
-      </p:sp>
-    </p:spTree>
-    <p:extLst>
-      <p:ext uri="{BB962C8B-B14F-4D97-AF65-F5344CB8AC3E}">
-        <p14:creationId xmlns:p14="http://schemas.microsoft.com/office/powerpoint/2010/main" val="937793977"/>
-      </p:ext>
-    </p:extLst>
-  </p:cSld>
-  <p:clrMapOvr>
-    <a:masterClrMapping/>
-  </p:clrMapOvr>
-  <p:timing>
-    <p:tnLst>
-      <p:par>
-        <p:cTn id="1" dur="indefinite" restart="never" nodeType="tmRoot"/>
-      </p:par>
-    </p:tnLst>
-  </p:timing>
-</p:sld>
-</file>
-
-<file path=ppt/slides/slide16.xml><?xml version="1.0" encoding="utf-8"?>
-<p:sld xmlns:a="http://schemas.openxmlformats.org/drawingml/2006/main" xmlns:r="http://schemas.openxmlformats.org/officeDocument/2006/relationships" xmlns:p="http://schemas.openxmlformats.org/presentationml/2006/main">
-  <p:cSld>
-    <p:spTree>
-      <p:nvGrpSpPr>
-        <p:cNvPr id="1" name=""/>
-        <p:cNvGrpSpPr/>
-        <p:nvPr/>
-      </p:nvGrpSpPr>
-      <p:grpSpPr>
-        <a:xfrm>
-          <a:off x="0" y="0"/>
-          <a:ext cx="0" cy="0"/>
-          <a:chOff x="0" y="0"/>
-          <a:chExt cx="0" cy="0"/>
-        </a:xfrm>
-      </p:grpSpPr>
-      <p:sp>
-        <p:nvSpPr>
-          <p:cNvPr id="4" name="Title 3"/>
-          <p:cNvSpPr>
-            <a:spLocks noGrp="1"/>
-          </p:cNvSpPr>
-          <p:nvPr>
-            <p:ph type="title"/>
-          </p:nvPr>
-        </p:nvSpPr>
-        <p:spPr/>
-        <p:txBody>
-          <a:bodyPr>
-            <a:normAutofit/>
-          </a:bodyPr>
-          <a:lstStyle/>
-          <a:p>
-            <a:r>
-              <a:rPr lang="en-US" dirty="0" err="1" smtClean="0"/>
-              <a:t>Xamarin</a:t>
-            </a:r>
-            <a:r>
-              <a:rPr lang="en-US" dirty="0" smtClean="0"/>
-              <a:t> Learning Path 1</a:t>
-            </a:r>
-            <a:endParaRPr lang="en-US" dirty="0"/>
-          </a:p>
-        </p:txBody>
-      </p:sp>
-      <p:sp>
-        <p:nvSpPr>
-          <p:cNvPr id="5" name="Content Placeholder 4"/>
-          <p:cNvSpPr>
-            <a:spLocks noGrp="1"/>
-          </p:cNvSpPr>
-          <p:nvPr>
-            <p:ph sz="quarter" idx="10"/>
-          </p:nvPr>
-        </p:nvSpPr>
-        <p:spPr/>
-        <p:txBody>
-          <a:bodyPr>
-            <a:normAutofit/>
-          </a:bodyPr>
-          <a:lstStyle/>
-          <a:p>
-            <a:r>
-              <a:rPr lang="en-US" dirty="0" smtClean="0"/>
-              <a:t>Disclaimer: my personal opinion</a:t>
-            </a:r>
-          </a:p>
-          <a:p>
-            <a:pPr marL="514350" indent="-514350">
-              <a:buFont typeface="+mj-lt"/>
-              <a:buAutoNum type="arabicPeriod"/>
-            </a:pPr>
-            <a:r>
-              <a:rPr lang="en-US" dirty="0" err="1" smtClean="0"/>
-              <a:t>Xamarin.Forms</a:t>
-            </a:r>
-            <a:r>
-              <a:rPr lang="en-US" dirty="0" smtClean="0"/>
-              <a:t> </a:t>
-            </a:r>
-          </a:p>
-          <a:p>
-            <a:pPr marL="514350" indent="-514350">
-              <a:buFont typeface="+mj-lt"/>
-              <a:buAutoNum type="arabicPeriod"/>
-            </a:pPr>
-            <a:r>
-              <a:rPr lang="en-US" dirty="0" err="1" smtClean="0"/>
-              <a:t>Xamarin.Platforms</a:t>
-            </a:r>
-            <a:r>
-              <a:rPr lang="en-US" dirty="0" smtClean="0"/>
-              <a:t> (in parallel if possible)</a:t>
-            </a:r>
-          </a:p>
-          <a:p>
-            <a:pPr marL="971550" lvl="1" indent="-514350">
-              <a:buFont typeface="+mj-lt"/>
-              <a:buAutoNum type="arabicPeriod"/>
-            </a:pPr>
-            <a:r>
-              <a:rPr lang="en-US" dirty="0" err="1" smtClean="0"/>
-              <a:t>Xamarin.Android</a:t>
-            </a:r>
-            <a:r>
-              <a:rPr lang="en-US" dirty="0" smtClean="0"/>
-              <a:t/>
-            </a:r>
-            <a:br>
-              <a:rPr lang="en-US" dirty="0" smtClean="0"/>
-            </a:br>
-            <a:r>
-              <a:rPr lang="en-US" dirty="0" smtClean="0"/>
-              <a:t>a bit easier for </a:t>
-            </a:r>
-            <a:r>
-              <a:rPr lang="en-US" dirty="0" err="1" smtClean="0"/>
-              <a:t>c#</a:t>
-            </a:r>
-            <a:r>
-              <a:rPr lang="en-US" dirty="0" smtClean="0"/>
-              <a:t> developer</a:t>
-            </a:r>
-          </a:p>
-          <a:p>
-            <a:pPr marL="971550" lvl="1" indent="-514350">
-              <a:buFont typeface="+mj-lt"/>
-              <a:buAutoNum type="arabicPeriod"/>
-            </a:pPr>
-            <a:r>
-              <a:rPr lang="en-US" dirty="0" err="1" smtClean="0"/>
-              <a:t>Xamarin.iOS</a:t>
-            </a:r>
-            <a:endParaRPr lang="en-US" dirty="0"/>
-          </a:p>
-          <a:p>
-            <a:pPr marL="514350" indent="-514350">
-              <a:buFont typeface="+mj-lt"/>
-              <a:buAutoNum type="arabicPeriod"/>
-            </a:pPr>
-            <a:r>
-              <a:rPr lang="en-US" dirty="0" err="1" smtClean="0"/>
-              <a:t>Xamarin.Test</a:t>
-            </a:r>
-            <a:r>
-              <a:rPr lang="en-US" dirty="0"/>
-              <a:t> </a:t>
-            </a:r>
-            <a:r>
-              <a:rPr lang="en-US" dirty="0" smtClean="0"/>
-              <a:t>Tools</a:t>
-            </a:r>
-          </a:p>
-          <a:p>
-            <a:pPr marL="971550" lvl="1" indent="-514350">
-              <a:buFont typeface="+mj-lt"/>
-              <a:buAutoNum type="arabicPeriod"/>
-            </a:pPr>
-            <a:r>
-              <a:rPr lang="en-US" dirty="0" err="1" smtClean="0"/>
-              <a:t>Xamarin.UITest</a:t>
-            </a:r>
-            <a:r>
-              <a:rPr lang="en-US" dirty="0" smtClean="0"/>
-              <a:t/>
-            </a:r>
-            <a:br>
-              <a:rPr lang="en-US" dirty="0" smtClean="0"/>
-            </a:br>
-            <a:r>
-              <a:rPr lang="en-US" dirty="0" smtClean="0"/>
-              <a:t>easy – my daughter does this (even talks)</a:t>
-            </a:r>
-          </a:p>
-          <a:p>
-            <a:pPr marL="971550" lvl="1" indent="-514350">
-              <a:buFont typeface="+mj-lt"/>
-              <a:buAutoNum type="arabicPeriod"/>
-            </a:pPr>
-            <a:r>
-              <a:rPr lang="en-US" dirty="0" err="1" smtClean="0"/>
-              <a:t>Xamarin.Test.Cloud</a:t>
-            </a:r>
-            <a:r>
-              <a:rPr lang="en-US" dirty="0" smtClean="0"/>
-              <a:t/>
-            </a:r>
-            <a:br>
-              <a:rPr lang="en-US" dirty="0" smtClean="0"/>
-            </a:br>
-            <a:r>
-              <a:rPr lang="en-US" dirty="0" smtClean="0"/>
-              <a:t>who pays for testing and quality?</a:t>
-            </a:r>
-            <a:endParaRPr lang="en-US" dirty="0" smtClean="0"/>
-          </a:p>
-        </p:txBody>
-      </p:sp>
-    </p:spTree>
-    <p:extLst>
-      <p:ext uri="{BB962C8B-B14F-4D97-AF65-F5344CB8AC3E}">
-        <p14:creationId xmlns:p14="http://schemas.microsoft.com/office/powerpoint/2010/main" val="921104498"/>
-      </p:ext>
-    </p:extLst>
-  </p:cSld>
-  <p:clrMapOvr>
-    <a:masterClrMapping/>
-  </p:clrMapOvr>
-  <p:timing>
-    <p:tnLst>
-      <p:par>
-        <p:cTn id="1" dur="indefinite" restart="never" nodeType="tmRoot"/>
-      </p:par>
-    </p:tnLst>
-  </p:timing>
-</p:sld>
-</file>
-
-<file path=ppt/slides/slide17.xml><?xml version="1.0" encoding="utf-8"?>
-<p:sld xmlns:a="http://schemas.openxmlformats.org/drawingml/2006/main" xmlns:r="http://schemas.openxmlformats.org/officeDocument/2006/relationships" xmlns:p="http://schemas.openxmlformats.org/presentationml/2006/main">
-  <p:cSld>
-    <p:spTree>
-      <p:nvGrpSpPr>
-        <p:cNvPr id="1" name=""/>
-        <p:cNvGrpSpPr/>
-        <p:nvPr/>
-      </p:nvGrpSpPr>
-      <p:grpSpPr>
-        <a:xfrm>
-          <a:off x="0" y="0"/>
-          <a:ext cx="0" cy="0"/>
-          <a:chOff x="0" y="0"/>
-          <a:chExt cx="0" cy="0"/>
-        </a:xfrm>
-      </p:grpSpPr>
-      <p:sp>
-        <p:nvSpPr>
-          <p:cNvPr id="4" name="Title 3"/>
-          <p:cNvSpPr>
-            <a:spLocks noGrp="1"/>
-          </p:cNvSpPr>
-          <p:nvPr>
-            <p:ph type="title"/>
-          </p:nvPr>
-        </p:nvSpPr>
-        <p:spPr/>
-        <p:txBody>
-          <a:bodyPr>
-            <a:normAutofit/>
-          </a:bodyPr>
-          <a:lstStyle/>
-          <a:p>
-            <a:r>
-              <a:rPr lang="en-US" dirty="0" err="1" smtClean="0"/>
-              <a:t>Xamarin</a:t>
-            </a:r>
-            <a:r>
-              <a:rPr lang="en-US" dirty="0" smtClean="0"/>
-              <a:t> Learning Path 2</a:t>
-            </a:r>
-            <a:endParaRPr lang="en-US" dirty="0"/>
-          </a:p>
-        </p:txBody>
-      </p:sp>
-      <p:sp>
-        <p:nvSpPr>
-          <p:cNvPr id="5" name="Content Placeholder 4"/>
-          <p:cNvSpPr>
-            <a:spLocks noGrp="1"/>
-          </p:cNvSpPr>
-          <p:nvPr>
-            <p:ph sz="quarter" idx="10"/>
-          </p:nvPr>
-        </p:nvSpPr>
-        <p:spPr/>
-        <p:txBody>
-          <a:bodyPr>
-            <a:normAutofit lnSpcReduction="10000"/>
-          </a:bodyPr>
-          <a:lstStyle/>
-          <a:p>
-            <a:r>
-              <a:rPr lang="en-US" dirty="0" smtClean="0"/>
-              <a:t>Disclaimer: my personal opinion</a:t>
-            </a:r>
-          </a:p>
-          <a:p>
-            <a:pPr marL="514350" indent="-514350">
-              <a:buFont typeface="+mj-lt"/>
-              <a:buAutoNum type="arabicPeriod"/>
-            </a:pPr>
-            <a:r>
-              <a:rPr lang="en-US" dirty="0" smtClean="0"/>
-              <a:t>Install Linux</a:t>
-            </a:r>
-            <a:br>
-              <a:rPr lang="en-US" dirty="0" smtClean="0"/>
-            </a:br>
-            <a:r>
-              <a:rPr lang="en-US" dirty="0" smtClean="0"/>
-              <a:t>2016-09-28 </a:t>
-            </a:r>
-            <a:r>
-              <a:rPr lang="en-US" dirty="0" err="1" smtClean="0"/>
-              <a:t>flatpak</a:t>
-            </a:r>
-            <a:r>
-              <a:rPr lang="en-US" dirty="0" smtClean="0"/>
-              <a:t>?!?! Again something new</a:t>
-            </a:r>
-          </a:p>
-          <a:p>
-            <a:pPr marL="514350" indent="-514350">
-              <a:buFont typeface="+mj-lt"/>
-              <a:buAutoNum type="arabicPeriod"/>
-            </a:pPr>
-            <a:r>
-              <a:rPr lang="en-US" dirty="0" smtClean="0"/>
-              <a:t>Use Linux (common knowledge – </a:t>
-            </a:r>
-            <a:r>
-              <a:rPr lang="en-US" dirty="0" err="1" smtClean="0"/>
-              <a:t>sudo</a:t>
-            </a:r>
-            <a:r>
-              <a:rPr lang="en-US" dirty="0" smtClean="0"/>
-              <a:t> and Windows)</a:t>
-            </a:r>
-          </a:p>
-          <a:p>
-            <a:pPr marL="514350" indent="-514350">
-              <a:buFont typeface="+mj-lt"/>
-              <a:buAutoNum type="arabicPeriod"/>
-            </a:pPr>
-            <a:r>
-              <a:rPr lang="en-US" dirty="0" smtClean="0"/>
-              <a:t>Compile</a:t>
-            </a:r>
-          </a:p>
-          <a:p>
-            <a:pPr marL="971550" lvl="1" indent="-514350">
-              <a:buFont typeface="+mj-lt"/>
-              <a:buAutoNum type="arabicPeriod"/>
-            </a:pPr>
-            <a:r>
-              <a:rPr lang="en-US" dirty="0"/>
-              <a:t>m</a:t>
-            </a:r>
-            <a:r>
-              <a:rPr lang="en-US" dirty="0" smtClean="0"/>
-              <a:t>ono</a:t>
-            </a:r>
-          </a:p>
-          <a:p>
-            <a:pPr marL="971550" lvl="1" indent="-514350">
-              <a:buFont typeface="+mj-lt"/>
-              <a:buAutoNum type="arabicPeriod"/>
-            </a:pPr>
-            <a:r>
-              <a:rPr lang="en-US" dirty="0" err="1" smtClean="0"/>
-              <a:t>dotnet</a:t>
-            </a:r>
-            <a:r>
-              <a:rPr lang="en-US" dirty="0" smtClean="0"/>
-              <a:t> core</a:t>
-            </a:r>
-          </a:p>
-          <a:p>
-            <a:pPr marL="971550" lvl="1" indent="-514350">
-              <a:buFont typeface="+mj-lt"/>
-              <a:buAutoNum type="arabicPeriod"/>
-            </a:pPr>
-            <a:r>
-              <a:rPr lang="en-US" dirty="0" err="1"/>
-              <a:t>l</a:t>
-            </a:r>
-            <a:r>
-              <a:rPr lang="en-US" dirty="0" err="1" smtClean="0"/>
-              <a:t>lvm</a:t>
-            </a:r>
-            <a:r>
-              <a:rPr lang="en-US" dirty="0" smtClean="0"/>
-              <a:t> toolchain</a:t>
-            </a:r>
-          </a:p>
-          <a:p>
-            <a:pPr marL="514350" indent="-514350">
-              <a:buFont typeface="+mj-lt"/>
-              <a:buAutoNum type="arabicPeriod"/>
-            </a:pPr>
-            <a:r>
-              <a:rPr lang="en-US" dirty="0" smtClean="0"/>
-              <a:t>Advanced</a:t>
-            </a:r>
-          </a:p>
-          <a:p>
-            <a:pPr marL="971550" lvl="1" indent="-514350">
-              <a:buFont typeface="+mj-lt"/>
-              <a:buAutoNum type="arabicPeriod"/>
-            </a:pPr>
-            <a:r>
-              <a:rPr lang="en-US" dirty="0" smtClean="0"/>
-              <a:t>All of the above for </a:t>
-            </a:r>
-          </a:p>
-          <a:p>
-            <a:pPr marL="1428750" lvl="2" indent="-514350">
-              <a:buFont typeface="+mj-lt"/>
-              <a:buAutoNum type="arabicPeriod"/>
-            </a:pPr>
-            <a:r>
-              <a:rPr lang="en-US" dirty="0" err="1" smtClean="0"/>
-              <a:t>IoT</a:t>
-            </a:r>
-            <a:r>
-              <a:rPr lang="en-US" dirty="0" smtClean="0"/>
-              <a:t>: </a:t>
-            </a:r>
-            <a:r>
-              <a:rPr lang="en-US" dirty="0" err="1" smtClean="0"/>
-              <a:t>RaspberryPi</a:t>
-            </a:r>
-            <a:r>
-              <a:rPr lang="en-US" dirty="0" smtClean="0"/>
-              <a:t>, </a:t>
-            </a:r>
-            <a:r>
-              <a:rPr lang="en-US" dirty="0" err="1" smtClean="0"/>
-              <a:t>BananaPi</a:t>
-            </a:r>
-            <a:r>
-              <a:rPr lang="en-US" dirty="0" smtClean="0"/>
-              <a:t>, </a:t>
-            </a:r>
-            <a:r>
-              <a:rPr lang="is-IS" dirty="0" smtClean="0"/>
-              <a:t>…</a:t>
-            </a:r>
-          </a:p>
-          <a:p>
-            <a:pPr marL="1428750" lvl="2" indent="-514350">
-              <a:buFont typeface="+mj-lt"/>
-              <a:buAutoNum type="arabicPeriod"/>
-            </a:pPr>
-            <a:r>
-              <a:rPr lang="is-IS" dirty="0" smtClean="0"/>
-              <a:t>OpenIndiana, OpenSolaris, minix</a:t>
-            </a:r>
-          </a:p>
-        </p:txBody>
-      </p:sp>
-    </p:spTree>
-    <p:extLst>
-      <p:ext uri="{BB962C8B-B14F-4D97-AF65-F5344CB8AC3E}">
-        <p14:creationId xmlns:p14="http://schemas.microsoft.com/office/powerpoint/2010/main" val="629680771"/>
-      </p:ext>
-    </p:extLst>
-  </p:cSld>
-  <p:clrMapOvr>
-    <a:masterClrMapping/>
-  </p:clrMapOvr>
-  <p:timing>
-    <p:tnLst>
-      <p:par>
-        <p:cTn id="1" dur="indefinite" restart="never" nodeType="tmRoot"/>
-      </p:par>
-    </p:tnLst>
-  </p:timing>
-</p:sld>
-</file>
-
-<file path=ppt/slides/slide18.xml><?xml version="1.0" encoding="utf-8"?>
-<p:sld xmlns:a="http://schemas.openxmlformats.org/drawingml/2006/main" xmlns:r="http://schemas.openxmlformats.org/officeDocument/2006/relationships" xmlns:p="http://schemas.openxmlformats.org/presentationml/2006/main" show="0">
   <p:cSld>
     <p:spTree>
       <p:nvGrpSpPr>
@@ -9192,14 +7650,6 @@
   <p:clrMapOvr>
     <a:masterClrMapping/>
   </p:clrMapOvr>
-  <mc:AlternateContent xmlns:mc="http://schemas.openxmlformats.org/markup-compatibility/2006">
-    <mc:Choice xmlns:p14="http://schemas.microsoft.com/office/powerpoint/2010/main" Requires="p14">
-      <p:transition spd="slow" p14:dur="2000"/>
-    </mc:Choice>
-    <mc:Fallback>
-      <p:transition spd="slow"/>
-    </mc:Fallback>
-  </mc:AlternateContent>
   <p:timing>
     <p:tnLst>
       <p:par>
@@ -9210,7 +7660,7 @@
 </p:sld>
 </file>
 
-<file path=ppt/slides/slide19.xml><?xml version="1.0" encoding="utf-8"?>
+<file path=ppt/slides/slide6.xml><?xml version="1.0" encoding="utf-8"?>
 <p:sld xmlns:a="http://schemas.openxmlformats.org/drawingml/2006/main" xmlns:r="http://schemas.openxmlformats.org/officeDocument/2006/relationships" xmlns:p="http://schemas.openxmlformats.org/presentationml/2006/main">
   <p:cSld>
     <p:spTree>
@@ -9342,157 +7792,7 @@
 </p:sld>
 </file>
 
-<file path=ppt/slides/slide2.xml><?xml version="1.0" encoding="utf-8"?>
-<p:sld xmlns:a="http://schemas.openxmlformats.org/drawingml/2006/main" xmlns:r="http://schemas.openxmlformats.org/officeDocument/2006/relationships" xmlns:p="http://schemas.openxmlformats.org/presentationml/2006/main">
-  <p:cSld>
-    <p:spTree>
-      <p:nvGrpSpPr>
-        <p:cNvPr id="1" name=""/>
-        <p:cNvGrpSpPr/>
-        <p:nvPr/>
-      </p:nvGrpSpPr>
-      <p:grpSpPr>
-        <a:xfrm>
-          <a:off x="0" y="0"/>
-          <a:ext cx="0" cy="0"/>
-          <a:chOff x="0" y="0"/>
-          <a:chExt cx="0" cy="0"/>
-        </a:xfrm>
-      </p:grpSpPr>
-      <p:sp>
-        <p:nvSpPr>
-          <p:cNvPr id="2" name="Text Placeholder 1"/>
-          <p:cNvSpPr>
-            <a:spLocks noGrp="1"/>
-          </p:cNvSpPr>
-          <p:nvPr>
-            <p:ph type="body" sz="quarter" idx="11"/>
-          </p:nvPr>
-        </p:nvSpPr>
-        <p:spPr/>
-        <p:txBody>
-          <a:bodyPr/>
-          <a:lstStyle/>
-          <a:p>
-            <a:r>
-              <a:rPr lang="hr-HR" dirty="0" smtClean="0"/>
-              <a:t>Miljenko Cvjetko</a:t>
-            </a:r>
-            <a:endParaRPr lang="en-US" dirty="0"/>
-          </a:p>
-        </p:txBody>
-      </p:sp>
-      <p:sp>
-        <p:nvSpPr>
-          <p:cNvPr id="3" name="Text Placeholder 2"/>
-          <p:cNvSpPr>
-            <a:spLocks noGrp="1"/>
-          </p:cNvSpPr>
-          <p:nvPr>
-            <p:ph type="body" sz="quarter" idx="12"/>
-          </p:nvPr>
-        </p:nvSpPr>
-        <p:spPr>
-          <a:xfrm>
-            <a:off x="3386590" y="3311761"/>
-            <a:ext cx="5124693" cy="3203858"/>
-          </a:xfrm>
-        </p:spPr>
-        <p:txBody>
-          <a:bodyPr>
-            <a:normAutofit/>
-          </a:bodyPr>
-          <a:lstStyle/>
-          <a:p>
-            <a:r>
-              <a:rPr lang="en-US" sz="3600" dirty="0">
-                <a:hlinkClick r:id="rId2"/>
-              </a:rPr>
-              <a:t>Xamarin </a:t>
-            </a:r>
-            <a:r>
-              <a:rPr lang="en-US" sz="3600" dirty="0" smtClean="0">
-                <a:hlinkClick r:id="rId2"/>
-              </a:rPr>
-              <a:t>- priča </a:t>
-            </a:r>
-            <a:r>
-              <a:rPr lang="en-US" sz="3600" dirty="0">
-                <a:hlinkClick r:id="rId2"/>
-              </a:rPr>
-              <a:t>o </a:t>
-            </a:r>
-            <a:r>
-              <a:rPr lang="en-US" sz="3600" dirty="0" smtClean="0">
-                <a:hlinkClick r:id="rId2"/>
-              </a:rPr>
-              <a:t>pristupu </a:t>
-            </a:r>
-            <a:r>
-              <a:rPr lang="en-US" sz="3900" dirty="0" smtClean="0">
-                <a:hlinkClick r:id="rId2"/>
-              </a:rPr>
-              <a:t/>
-            </a:r>
-            <a:br>
-              <a:rPr lang="en-US" sz="3900" dirty="0" smtClean="0">
-                <a:hlinkClick r:id="rId2"/>
-              </a:rPr>
-            </a:br>
-            <a:r>
-              <a:rPr lang="en-US" dirty="0" smtClean="0">
-                <a:hlinkClick r:id="rId2"/>
-              </a:rPr>
-              <a:t/>
-            </a:r>
-            <a:br>
-              <a:rPr lang="en-US" dirty="0" smtClean="0">
-                <a:hlinkClick r:id="rId2"/>
-              </a:rPr>
-            </a:br>
-            <a:r>
-              <a:rPr lang="en-US" sz="3000" dirty="0" smtClean="0">
-                <a:hlinkClick r:id="rId2"/>
-              </a:rPr>
-              <a:t>zablude </a:t>
-            </a:r>
-            <a:r>
-              <a:rPr lang="en-US" sz="3000" dirty="0">
-                <a:hlinkClick r:id="rId2"/>
-              </a:rPr>
-              <a:t>i koristi višeplatformskog razvoja</a:t>
-            </a:r>
-          </a:p>
-          <a:p>
-            <a:r>
-              <a:rPr lang="en-US" b="0" dirty="0"/>
-              <a:t> </a:t>
-            </a:r>
-            <a:endParaRPr lang="en-US" dirty="0"/>
-          </a:p>
-        </p:txBody>
-      </p:sp>
-    </p:spTree>
-    <p:extLst>
-      <p:ext uri="{BB962C8B-B14F-4D97-AF65-F5344CB8AC3E}">
-        <p14:creationId xmlns:p14="http://schemas.microsoft.com/office/powerpoint/2010/main" val="466797636"/>
-      </p:ext>
-    </p:extLst>
-  </p:cSld>
-  <p:clrMapOvr>
-    <a:masterClrMapping/>
-  </p:clrMapOvr>
-  <p:timing>
-    <p:tnLst>
-      <p:par>
-        <p:cTn id="1" dur="indefinite" restart="never" nodeType="tmRoot"/>
-      </p:par>
-    </p:tnLst>
-  </p:timing>
-</p:sld>
-</file>
-
-<file path=ppt/slides/slide20.xml><?xml version="1.0" encoding="utf-8"?>
+<file path=ppt/slides/slide7.xml><?xml version="1.0" encoding="utf-8"?>
 <p:sld xmlns:a="http://schemas.openxmlformats.org/drawingml/2006/main" xmlns:r="http://schemas.openxmlformats.org/officeDocument/2006/relationships" xmlns:p="http://schemas.openxmlformats.org/presentationml/2006/main">
   <p:cSld>
     <p:spTree>
@@ -9524,18 +7824,7 @@
           <a:bodyPr/>
           <a:lstStyle/>
           <a:p>
-            <a:r>
-              <a:rPr lang="en-US" dirty="0" smtClean="0"/>
-              <a:t>Thanks</a:t>
-            </a:r>
-            <a:br>
-              <a:rPr lang="en-US" dirty="0" smtClean="0"/>
-            </a:br>
-            <a:r>
-              <a:rPr lang="en-US" dirty="0" smtClean="0"/>
-              <a:t>?Questions?</a:t>
-            </a:r>
-            <a:endParaRPr lang="en-US" dirty="0"/>
+            <a:endParaRPr lang="en-US"/>
           </a:p>
         </p:txBody>
       </p:sp>
@@ -9543,1205 +7832,6 @@
     <p:extLst>
       <p:ext uri="{BB962C8B-B14F-4D97-AF65-F5344CB8AC3E}">
         <p14:creationId xmlns:p14="http://schemas.microsoft.com/office/powerpoint/2010/main" val="61687838"/>
-      </p:ext>
-    </p:extLst>
-  </p:cSld>
-  <p:clrMapOvr>
-    <a:masterClrMapping/>
-  </p:clrMapOvr>
-  <p:timing>
-    <p:tnLst>
-      <p:par>
-        <p:cTn id="1" dur="indefinite" restart="never" nodeType="tmRoot"/>
-      </p:par>
-    </p:tnLst>
-  </p:timing>
-</p:sld>
-</file>
-
-<file path=ppt/slides/slide3.xml><?xml version="1.0" encoding="utf-8"?>
-<p:sld xmlns:a="http://schemas.openxmlformats.org/drawingml/2006/main" xmlns:r="http://schemas.openxmlformats.org/officeDocument/2006/relationships" xmlns:p="http://schemas.openxmlformats.org/presentationml/2006/main">
-  <p:cSld>
-    <p:spTree>
-      <p:nvGrpSpPr>
-        <p:cNvPr id="1" name=""/>
-        <p:cNvGrpSpPr/>
-        <p:nvPr/>
-      </p:nvGrpSpPr>
-      <p:grpSpPr>
-        <a:xfrm>
-          <a:off x="0" y="0"/>
-          <a:ext cx="0" cy="0"/>
-          <a:chOff x="0" y="0"/>
-          <a:chExt cx="0" cy="0"/>
-        </a:xfrm>
-      </p:grpSpPr>
-    </p:spTree>
-    <p:extLst>
-      <p:ext uri="{BB962C8B-B14F-4D97-AF65-F5344CB8AC3E}">
-        <p14:creationId xmlns:p14="http://schemas.microsoft.com/office/powerpoint/2010/main" val="2898421800"/>
-      </p:ext>
-    </p:extLst>
-  </p:cSld>
-  <p:clrMapOvr>
-    <a:masterClrMapping/>
-  </p:clrMapOvr>
-  <p:timing>
-    <p:tnLst>
-      <p:par>
-        <p:cTn id="1" dur="indefinite" restart="never" nodeType="tmRoot"/>
-      </p:par>
-    </p:tnLst>
-  </p:timing>
-</p:sld>
-</file>
-
-<file path=ppt/slides/slide4.xml><?xml version="1.0" encoding="utf-8"?>
-<p:sld xmlns:a="http://schemas.openxmlformats.org/drawingml/2006/main" xmlns:r="http://schemas.openxmlformats.org/officeDocument/2006/relationships" xmlns:p="http://schemas.openxmlformats.org/presentationml/2006/main">
-  <p:cSld>
-    <p:spTree>
-      <p:nvGrpSpPr>
-        <p:cNvPr id="1" name=""/>
-        <p:cNvGrpSpPr/>
-        <p:nvPr/>
-      </p:nvGrpSpPr>
-      <p:grpSpPr>
-        <a:xfrm>
-          <a:off x="0" y="0"/>
-          <a:ext cx="0" cy="0"/>
-          <a:chOff x="0" y="0"/>
-          <a:chExt cx="0" cy="0"/>
-        </a:xfrm>
-      </p:grpSpPr>
-      <p:sp>
-        <p:nvSpPr>
-          <p:cNvPr id="4" name="Title 3"/>
-          <p:cNvSpPr>
-            <a:spLocks noGrp="1"/>
-          </p:cNvSpPr>
-          <p:nvPr>
-            <p:ph type="title"/>
-          </p:nvPr>
-        </p:nvSpPr>
-        <p:spPr/>
-        <p:txBody>
-          <a:bodyPr/>
-          <a:lstStyle/>
-          <a:p>
-            <a:r>
-              <a:rPr lang="en-US" dirty="0" smtClean="0"/>
-              <a:t>Intro and motivation 1</a:t>
-            </a:r>
-            <a:endParaRPr lang="en-US" dirty="0"/>
-          </a:p>
-        </p:txBody>
-      </p:sp>
-      <p:sp>
-        <p:nvSpPr>
-          <p:cNvPr id="5" name="Content Placeholder 4"/>
-          <p:cNvSpPr>
-            <a:spLocks noGrp="1"/>
-          </p:cNvSpPr>
-          <p:nvPr>
-            <p:ph sz="quarter" idx="10"/>
-          </p:nvPr>
-        </p:nvSpPr>
-        <p:spPr/>
-        <p:txBody>
-          <a:bodyPr>
-            <a:normAutofit/>
-          </a:bodyPr>
-          <a:lstStyle/>
-          <a:p>
-            <a:r>
-              <a:rPr lang="en-US" dirty="0" smtClean="0"/>
-              <a:t>Tom asked me to do the talk on </a:t>
-            </a:r>
-            <a:r>
-              <a:rPr lang="en-US" dirty="0" err="1" smtClean="0"/>
-              <a:t>MobilityDay</a:t>
-            </a:r>
-            <a:endParaRPr lang="en-US" dirty="0" smtClean="0"/>
-          </a:p>
-          <a:p>
-            <a:pPr lvl="1"/>
-            <a:r>
-              <a:rPr lang="en-US" dirty="0" smtClean="0"/>
-              <a:t>Not technical – better intro and story</a:t>
-            </a:r>
-          </a:p>
-          <a:p>
-            <a:pPr lvl="1"/>
-            <a:r>
-              <a:rPr lang="en-US" dirty="0" smtClean="0"/>
-              <a:t>Reasons:</a:t>
-            </a:r>
-          </a:p>
-          <a:p>
-            <a:pPr lvl="2"/>
-            <a:r>
-              <a:rPr lang="en-US" dirty="0" smtClean="0"/>
-              <a:t>Most of </a:t>
-            </a:r>
-            <a:r>
-              <a:rPr lang="en-US" dirty="0" err="1" smtClean="0"/>
-              <a:t>Xamarin</a:t>
-            </a:r>
-            <a:r>
-              <a:rPr lang="en-US" dirty="0" smtClean="0"/>
-              <a:t> topics were covered on </a:t>
-            </a:r>
-            <a:r>
-              <a:rPr lang="en-US" dirty="0" err="1" smtClean="0"/>
-              <a:t>MobilityDay</a:t>
-            </a:r>
-            <a:r>
-              <a:rPr lang="en-US" dirty="0" smtClean="0"/>
-              <a:t> in last 4 years</a:t>
-            </a:r>
-          </a:p>
-          <a:p>
-            <a:pPr lvl="2"/>
-            <a:r>
-              <a:rPr lang="en-US" dirty="0" err="1" smtClean="0"/>
-              <a:t>Xamarin</a:t>
-            </a:r>
-            <a:r>
-              <a:rPr lang="en-US" dirty="0" smtClean="0"/>
-              <a:t> is HUGE</a:t>
-            </a:r>
-          </a:p>
-          <a:p>
-            <a:pPr lvl="3"/>
-            <a:r>
-              <a:rPr lang="en-US" dirty="0" smtClean="0"/>
-              <a:t>independent/different Operating Systems</a:t>
-            </a:r>
-          </a:p>
-          <a:p>
-            <a:pPr lvl="4"/>
-            <a:r>
-              <a:rPr lang="en-US" dirty="0" smtClean="0"/>
-              <a:t>Android  </a:t>
-            </a:r>
-            <a:br>
-              <a:rPr lang="en-US" dirty="0" smtClean="0"/>
-            </a:br>
-            <a:r>
-              <a:rPr lang="en-US" dirty="0" smtClean="0"/>
-              <a:t>Linux ARM</a:t>
-            </a:r>
-          </a:p>
-          <a:p>
-            <a:pPr lvl="4"/>
-            <a:r>
-              <a:rPr lang="en-US" dirty="0" smtClean="0"/>
-              <a:t>iOS and </a:t>
-            </a:r>
-            <a:r>
-              <a:rPr lang="en-US" dirty="0" err="1" smtClean="0"/>
-              <a:t>MacOSX</a:t>
-            </a:r>
-            <a:r>
-              <a:rPr lang="en-US" dirty="0" smtClean="0"/>
-              <a:t> (iOS is almost subset of </a:t>
-            </a:r>
-            <a:r>
-              <a:rPr lang="en-US" dirty="0" err="1" smtClean="0"/>
-              <a:t>MacOSX</a:t>
-            </a:r>
-            <a:r>
-              <a:rPr lang="en-US" dirty="0" smtClean="0"/>
-              <a:t>)</a:t>
-            </a:r>
-            <a:br>
-              <a:rPr lang="en-US" dirty="0" smtClean="0"/>
-            </a:br>
-            <a:r>
-              <a:rPr lang="en-US" dirty="0" smtClean="0"/>
-              <a:t>Darwin, Mach, BSD</a:t>
-            </a:r>
-          </a:p>
-          <a:p>
-            <a:pPr lvl="3"/>
-            <a:r>
-              <a:rPr lang="en-US" dirty="0" smtClean="0"/>
-              <a:t>Mono runtime</a:t>
-            </a:r>
-          </a:p>
-          <a:p>
-            <a:pPr lvl="3"/>
-            <a:r>
-              <a:rPr lang="en-US" dirty="0" smtClean="0"/>
-              <a:t>Multi language: { C#, F# }</a:t>
-            </a:r>
-          </a:p>
-          <a:p>
-            <a:pPr lvl="3"/>
-            <a:r>
-              <a:rPr lang="en-US" dirty="0" smtClean="0"/>
-              <a:t>IDE </a:t>
-            </a:r>
-            <a:r>
-              <a:rPr lang="en-US" dirty="0" err="1" smtClean="0"/>
-              <a:t>Xamarin.Studio</a:t>
-            </a:r>
-            <a:r>
-              <a:rPr lang="en-US" dirty="0" smtClean="0"/>
-              <a:t> (</a:t>
-            </a:r>
-            <a:r>
-              <a:rPr lang="en-US" dirty="0" err="1" smtClean="0"/>
-              <a:t>MonoDevelop</a:t>
-            </a:r>
-            <a:r>
-              <a:rPr lang="en-US" dirty="0" smtClean="0"/>
-              <a:t>) </a:t>
-            </a:r>
-          </a:p>
-        </p:txBody>
-      </p:sp>
-    </p:spTree>
-    <p:extLst>
-      <p:ext uri="{BB962C8B-B14F-4D97-AF65-F5344CB8AC3E}">
-        <p14:creationId xmlns:p14="http://schemas.microsoft.com/office/powerpoint/2010/main" val="1499036867"/>
-      </p:ext>
-    </p:extLst>
-  </p:cSld>
-  <p:clrMapOvr>
-    <a:masterClrMapping/>
-  </p:clrMapOvr>
-  <p:timing>
-    <p:tnLst>
-      <p:par>
-        <p:cTn id="1" dur="indefinite" restart="never" nodeType="tmRoot"/>
-      </p:par>
-    </p:tnLst>
-  </p:timing>
-</p:sld>
-</file>
-
-<file path=ppt/slides/slide5.xml><?xml version="1.0" encoding="utf-8"?>
-<p:sld xmlns:a="http://schemas.openxmlformats.org/drawingml/2006/main" xmlns:r="http://schemas.openxmlformats.org/officeDocument/2006/relationships" xmlns:p="http://schemas.openxmlformats.org/presentationml/2006/main">
-  <p:cSld>
-    <p:spTree>
-      <p:nvGrpSpPr>
-        <p:cNvPr id="1" name=""/>
-        <p:cNvGrpSpPr/>
-        <p:nvPr/>
-      </p:nvGrpSpPr>
-      <p:grpSpPr>
-        <a:xfrm>
-          <a:off x="0" y="0"/>
-          <a:ext cx="0" cy="0"/>
-          <a:chOff x="0" y="0"/>
-          <a:chExt cx="0" cy="0"/>
-        </a:xfrm>
-      </p:grpSpPr>
-      <p:sp>
-        <p:nvSpPr>
-          <p:cNvPr id="4" name="Title 3"/>
-          <p:cNvSpPr>
-            <a:spLocks noGrp="1"/>
-          </p:cNvSpPr>
-          <p:nvPr>
-            <p:ph type="title"/>
-          </p:nvPr>
-        </p:nvSpPr>
-        <p:spPr/>
-        <p:txBody>
-          <a:bodyPr/>
-          <a:lstStyle/>
-          <a:p>
-            <a:r>
-              <a:rPr lang="en-US" dirty="0" smtClean="0"/>
-              <a:t>Intro and motivation 2</a:t>
-            </a:r>
-            <a:endParaRPr lang="en-US" dirty="0"/>
-          </a:p>
-        </p:txBody>
-      </p:sp>
-      <p:sp>
-        <p:nvSpPr>
-          <p:cNvPr id="5" name="Content Placeholder 4"/>
-          <p:cNvSpPr>
-            <a:spLocks noGrp="1"/>
-          </p:cNvSpPr>
-          <p:nvPr>
-            <p:ph sz="quarter" idx="10"/>
-          </p:nvPr>
-        </p:nvSpPr>
-        <p:spPr/>
-        <p:txBody>
-          <a:bodyPr>
-            <a:normAutofit/>
-          </a:bodyPr>
-          <a:lstStyle/>
-          <a:p>
-            <a:r>
-              <a:rPr lang="en-US" dirty="0" err="1" smtClean="0"/>
-              <a:t>Xamarin</a:t>
-            </a:r>
-            <a:r>
-              <a:rPr lang="en-US" dirty="0" smtClean="0"/>
-              <a:t> - IS HUGE </a:t>
-            </a:r>
-            <a:r>
-              <a:rPr lang="en-US" dirty="0"/>
-              <a:t>-&gt; if </a:t>
-            </a:r>
-            <a:r>
-              <a:rPr lang="en-US" dirty="0" smtClean="0"/>
-              <a:t>(! Started) </a:t>
-            </a:r>
-            <a:r>
-              <a:rPr lang="en-US" dirty="0"/>
-              <a:t>Start(</a:t>
-            </a:r>
-            <a:r>
-              <a:rPr lang="en-US" dirty="0" err="1"/>
-              <a:t>Datetime.Now</a:t>
-            </a:r>
-            <a:r>
-              <a:rPr lang="en-US" dirty="0" smtClean="0"/>
-              <a:t>);</a:t>
-            </a:r>
-          </a:p>
-          <a:p>
-            <a:pPr lvl="1"/>
-            <a:r>
-              <a:rPr lang="en-US" dirty="0" smtClean="0"/>
-              <a:t>Android</a:t>
-            </a:r>
-          </a:p>
-          <a:p>
-            <a:pPr lvl="2"/>
-            <a:r>
-              <a:rPr lang="en-US" dirty="0" smtClean="0"/>
-              <a:t>FER </a:t>
-            </a:r>
-            <a:r>
-              <a:rPr lang="en-US" dirty="0" err="1" smtClean="0"/>
-              <a:t>Zg</a:t>
-            </a:r>
-            <a:r>
-              <a:rPr lang="en-US" dirty="0" smtClean="0"/>
-              <a:t> : 26 + 39hr</a:t>
-            </a:r>
-          </a:p>
-          <a:p>
-            <a:pPr lvl="2"/>
-            <a:r>
-              <a:rPr lang="en-US" dirty="0" err="1" smtClean="0"/>
-              <a:t>Racunarstvo</a:t>
-            </a:r>
-            <a:endParaRPr lang="en-US" dirty="0" smtClean="0"/>
-          </a:p>
-          <a:p>
-            <a:pPr lvl="3"/>
-            <a:r>
-              <a:rPr lang="en-US" dirty="0"/>
-              <a:t>Rad s </a:t>
-            </a:r>
-            <a:r>
-              <a:rPr lang="en-US" dirty="0" err="1"/>
-              <a:t>podacima</a:t>
-            </a:r>
-            <a:r>
-              <a:rPr lang="en-US" dirty="0"/>
-              <a:t> + </a:t>
-            </a:r>
-            <a:r>
-              <a:rPr lang="en-US" dirty="0" err="1"/>
-              <a:t>sigurnost</a:t>
-            </a:r>
-            <a:r>
-              <a:rPr lang="en-US" dirty="0"/>
-              <a:t> </a:t>
-            </a:r>
-            <a:r>
-              <a:rPr lang="en-US" dirty="0" err="1"/>
-              <a:t>na</a:t>
-            </a:r>
-            <a:r>
-              <a:rPr lang="en-US" dirty="0"/>
-              <a:t> </a:t>
-            </a:r>
-            <a:r>
-              <a:rPr lang="en-US" dirty="0" err="1"/>
-              <a:t>mobilnim</a:t>
-            </a:r>
-            <a:r>
-              <a:rPr lang="en-US" dirty="0"/>
-              <a:t> </a:t>
-            </a:r>
-            <a:r>
-              <a:rPr lang="en-US" dirty="0" err="1"/>
-              <a:t>uredjajima</a:t>
-            </a:r>
-            <a:r>
-              <a:rPr lang="en-US" dirty="0"/>
-              <a:t> 30 + 30 </a:t>
-            </a:r>
-            <a:r>
-              <a:rPr lang="en-US" dirty="0" err="1" smtClean="0"/>
-              <a:t>hr</a:t>
-            </a:r>
-            <a:endParaRPr lang="en-US" dirty="0"/>
-          </a:p>
-          <a:p>
-            <a:pPr lvl="3"/>
-            <a:r>
-              <a:rPr lang="en-US" dirty="0" err="1" smtClean="0"/>
-              <a:t>Razvoj</a:t>
-            </a:r>
-            <a:r>
-              <a:rPr lang="en-US" dirty="0" smtClean="0"/>
-              <a:t> </a:t>
-            </a:r>
-            <a:r>
-              <a:rPr lang="en-US" dirty="0" err="1" smtClean="0"/>
-              <a:t>korosnickog</a:t>
-            </a:r>
-            <a:r>
-              <a:rPr lang="en-US" dirty="0" smtClean="0"/>
-              <a:t> </a:t>
-            </a:r>
-            <a:r>
-              <a:rPr lang="en-US" dirty="0" err="1" smtClean="0"/>
-              <a:t>sucelja</a:t>
-            </a:r>
-            <a:r>
-              <a:rPr lang="en-US" dirty="0" smtClean="0"/>
-              <a:t> (</a:t>
-            </a:r>
-            <a:r>
-              <a:rPr lang="en-US" dirty="0" err="1" smtClean="0"/>
-              <a:t>Xamarin.Forms</a:t>
-            </a:r>
-            <a:r>
-              <a:rPr lang="en-US" dirty="0" smtClean="0"/>
-              <a:t> + Android) 30 + 30 </a:t>
-            </a:r>
-            <a:r>
-              <a:rPr lang="en-US" dirty="0" err="1" smtClean="0"/>
-              <a:t>hr</a:t>
-            </a:r>
-            <a:endParaRPr lang="en-US" dirty="0" smtClean="0"/>
-          </a:p>
-          <a:p>
-            <a:pPr lvl="2"/>
-            <a:r>
-              <a:rPr lang="en-US" dirty="0" smtClean="0"/>
-              <a:t>IT-</a:t>
-            </a:r>
-            <a:r>
-              <a:rPr lang="en-US" dirty="0" err="1" smtClean="0"/>
-              <a:t>Akademija</a:t>
-            </a:r>
-            <a:r>
-              <a:rPr lang="en-US" dirty="0" smtClean="0"/>
-              <a:t> (RS, BG)</a:t>
-            </a:r>
-          </a:p>
-          <a:p>
-            <a:pPr lvl="3"/>
-            <a:r>
-              <a:rPr lang="en-US" dirty="0" smtClean="0"/>
-              <a:t>Intro 36 </a:t>
-            </a:r>
-            <a:r>
-              <a:rPr lang="en-US" dirty="0" err="1" smtClean="0"/>
-              <a:t>hr</a:t>
-            </a:r>
-            <a:r>
-              <a:rPr lang="en-US" dirty="0" smtClean="0"/>
-              <a:t>, Advanced 32 </a:t>
-            </a:r>
-            <a:r>
-              <a:rPr lang="en-US" dirty="0" err="1" smtClean="0"/>
-              <a:t>hr</a:t>
-            </a:r>
-            <a:r>
-              <a:rPr lang="en-US" dirty="0" smtClean="0"/>
-              <a:t>, </a:t>
-            </a:r>
-            <a:r>
-              <a:rPr lang="en-US" dirty="0" err="1" smtClean="0"/>
-              <a:t>DataDriven</a:t>
-            </a:r>
-            <a:r>
-              <a:rPr lang="en-US" dirty="0" smtClean="0"/>
-              <a:t> 32 </a:t>
-            </a:r>
-            <a:r>
-              <a:rPr lang="en-US" dirty="0" err="1" smtClean="0"/>
-              <a:t>hr</a:t>
-            </a:r>
-            <a:r>
-              <a:rPr lang="en-US" dirty="0" smtClean="0"/>
-              <a:t>, Game Dev 18</a:t>
-            </a:r>
-            <a:endParaRPr lang="en-US" dirty="0"/>
-          </a:p>
-          <a:p>
-            <a:pPr lvl="1"/>
-            <a:r>
-              <a:rPr lang="en-US" dirty="0" smtClean="0"/>
-              <a:t>iOS</a:t>
-            </a:r>
-          </a:p>
-          <a:p>
-            <a:pPr lvl="2"/>
-            <a:r>
-              <a:rPr lang="en-US" dirty="0" err="1"/>
-              <a:t>Racunarstvo</a:t>
-            </a:r>
-            <a:endParaRPr lang="en-US" dirty="0"/>
-          </a:p>
-          <a:p>
-            <a:pPr lvl="3"/>
-            <a:r>
-              <a:rPr lang="en-US" dirty="0" err="1"/>
-              <a:t>Razvoj</a:t>
-            </a:r>
-            <a:r>
-              <a:rPr lang="en-US" dirty="0"/>
-              <a:t> </a:t>
-            </a:r>
-            <a:r>
-              <a:rPr lang="en-US" dirty="0" err="1"/>
-              <a:t>Igara</a:t>
-            </a:r>
-            <a:r>
-              <a:rPr lang="en-US" dirty="0"/>
-              <a:t> </a:t>
-            </a:r>
-            <a:r>
-              <a:rPr lang="en-US" dirty="0" err="1"/>
-              <a:t>za</a:t>
-            </a:r>
-            <a:r>
-              <a:rPr lang="en-US" dirty="0"/>
-              <a:t> </a:t>
-            </a:r>
-            <a:r>
-              <a:rPr lang="en-US" dirty="0" err="1"/>
-              <a:t>mobilne</a:t>
-            </a:r>
-            <a:r>
-              <a:rPr lang="en-US" dirty="0"/>
-              <a:t> </a:t>
-            </a:r>
-            <a:r>
-              <a:rPr lang="en-US" dirty="0" err="1"/>
-              <a:t>uredjaje</a:t>
-            </a:r>
-            <a:r>
-              <a:rPr lang="en-US" dirty="0"/>
-              <a:t> 30 + 30 </a:t>
-            </a:r>
-            <a:r>
-              <a:rPr lang="en-US" dirty="0" err="1" smtClean="0"/>
-              <a:t>hr</a:t>
-            </a:r>
-            <a:endParaRPr lang="en-US" dirty="0" smtClean="0"/>
-          </a:p>
-        </p:txBody>
-      </p:sp>
-    </p:spTree>
-    <p:extLst>
-      <p:ext uri="{BB962C8B-B14F-4D97-AF65-F5344CB8AC3E}">
-        <p14:creationId xmlns:p14="http://schemas.microsoft.com/office/powerpoint/2010/main" val="607079396"/>
-      </p:ext>
-    </p:extLst>
-  </p:cSld>
-  <p:clrMapOvr>
-    <a:masterClrMapping/>
-  </p:clrMapOvr>
-  <p:timing>
-    <p:tnLst>
-      <p:par>
-        <p:cTn id="1" dur="indefinite" restart="never" nodeType="tmRoot"/>
-      </p:par>
-    </p:tnLst>
-  </p:timing>
-</p:sld>
-</file>
-
-<file path=ppt/slides/slide6.xml><?xml version="1.0" encoding="utf-8"?>
-<p:sld xmlns:a="http://schemas.openxmlformats.org/drawingml/2006/main" xmlns:r="http://schemas.openxmlformats.org/officeDocument/2006/relationships" xmlns:p="http://schemas.openxmlformats.org/presentationml/2006/main">
-  <p:cSld>
-    <p:spTree>
-      <p:nvGrpSpPr>
-        <p:cNvPr id="1" name=""/>
-        <p:cNvGrpSpPr/>
-        <p:nvPr/>
-      </p:nvGrpSpPr>
-      <p:grpSpPr>
-        <a:xfrm>
-          <a:off x="0" y="0"/>
-          <a:ext cx="0" cy="0"/>
-          <a:chOff x="0" y="0"/>
-          <a:chExt cx="0" cy="0"/>
-        </a:xfrm>
-      </p:grpSpPr>
-      <p:sp>
-        <p:nvSpPr>
-          <p:cNvPr id="4" name="Title 3"/>
-          <p:cNvSpPr>
-            <a:spLocks noGrp="1"/>
-          </p:cNvSpPr>
-          <p:nvPr>
-            <p:ph type="title"/>
-          </p:nvPr>
-        </p:nvSpPr>
-        <p:spPr/>
-        <p:txBody>
-          <a:bodyPr/>
-          <a:lstStyle/>
-          <a:p>
-            <a:r>
-              <a:rPr lang="en-US" dirty="0" smtClean="0"/>
-              <a:t>Intro and motivation 3</a:t>
-            </a:r>
-            <a:endParaRPr lang="en-US" dirty="0"/>
-          </a:p>
-        </p:txBody>
-      </p:sp>
-      <p:sp>
-        <p:nvSpPr>
-          <p:cNvPr id="5" name="Content Placeholder 4"/>
-          <p:cNvSpPr>
-            <a:spLocks noGrp="1"/>
-          </p:cNvSpPr>
-          <p:nvPr>
-            <p:ph sz="quarter" idx="10"/>
-          </p:nvPr>
-        </p:nvSpPr>
-        <p:spPr/>
-        <p:txBody>
-          <a:bodyPr>
-            <a:normAutofit/>
-          </a:bodyPr>
-          <a:lstStyle/>
-          <a:p>
-            <a:r>
-              <a:rPr lang="en-US" dirty="0" err="1" smtClean="0"/>
-              <a:t>Xamarin</a:t>
-            </a:r>
-            <a:r>
-              <a:rPr lang="en-US" dirty="0" smtClean="0"/>
-              <a:t> – Who needs this?</a:t>
-            </a:r>
-          </a:p>
-          <a:p>
-            <a:pPr lvl="1"/>
-            <a:r>
-              <a:rPr lang="en-US" dirty="0" smtClean="0"/>
-              <a:t>Mobile </a:t>
-            </a:r>
-            <a:r>
-              <a:rPr lang="en-US" dirty="0" err="1" smtClean="0"/>
-              <a:t>devs</a:t>
-            </a:r>
-            <a:r>
-              <a:rPr lang="en-US" dirty="0" smtClean="0"/>
-              <a:t> targeting &gt; 1 platform</a:t>
-            </a:r>
-            <a:br>
-              <a:rPr lang="en-US" dirty="0" smtClean="0"/>
-            </a:br>
-            <a:r>
-              <a:rPr lang="en-US" dirty="0" smtClean="0"/>
-              <a:t>with additional requirements:</a:t>
-            </a:r>
-          </a:p>
-          <a:p>
-            <a:pPr lvl="2"/>
-            <a:r>
-              <a:rPr lang="en-US" dirty="0" smtClean="0"/>
-              <a:t>Performance (native)</a:t>
-            </a:r>
-          </a:p>
-          <a:p>
-            <a:pPr lvl="2"/>
-            <a:r>
-              <a:rPr lang="en-US" dirty="0" smtClean="0"/>
-              <a:t>1:1 API Coverage + Bonus</a:t>
-            </a:r>
-          </a:p>
-          <a:p>
-            <a:pPr lvl="2"/>
-            <a:endParaRPr lang="en-US" dirty="0" smtClean="0"/>
-          </a:p>
-        </p:txBody>
-      </p:sp>
-    </p:spTree>
-    <p:extLst>
-      <p:ext uri="{BB962C8B-B14F-4D97-AF65-F5344CB8AC3E}">
-        <p14:creationId xmlns:p14="http://schemas.microsoft.com/office/powerpoint/2010/main" val="318705911"/>
-      </p:ext>
-    </p:extLst>
-  </p:cSld>
-  <p:clrMapOvr>
-    <a:masterClrMapping/>
-  </p:clrMapOvr>
-  <p:timing>
-    <p:tnLst>
-      <p:par>
-        <p:cTn id="1" dur="indefinite" restart="never" nodeType="tmRoot"/>
-      </p:par>
-    </p:tnLst>
-  </p:timing>
-</p:sld>
-</file>
-
-<file path=ppt/slides/slide7.xml><?xml version="1.0" encoding="utf-8"?>
-<p:sld xmlns:a="http://schemas.openxmlformats.org/drawingml/2006/main" xmlns:r="http://schemas.openxmlformats.org/officeDocument/2006/relationships" xmlns:p="http://schemas.openxmlformats.org/presentationml/2006/main">
-  <p:cSld>
-    <p:spTree>
-      <p:nvGrpSpPr>
-        <p:cNvPr id="1" name=""/>
-        <p:cNvGrpSpPr/>
-        <p:nvPr/>
-      </p:nvGrpSpPr>
-      <p:grpSpPr>
-        <a:xfrm>
-          <a:off x="0" y="0"/>
-          <a:ext cx="0" cy="0"/>
-          <a:chOff x="0" y="0"/>
-          <a:chExt cx="0" cy="0"/>
-        </a:xfrm>
-      </p:grpSpPr>
-      <p:sp>
-        <p:nvSpPr>
-          <p:cNvPr id="4" name="Title 3"/>
-          <p:cNvSpPr>
-            <a:spLocks noGrp="1"/>
-          </p:cNvSpPr>
-          <p:nvPr>
-            <p:ph type="title"/>
-          </p:nvPr>
-        </p:nvSpPr>
-        <p:spPr/>
-        <p:txBody>
-          <a:bodyPr/>
-          <a:lstStyle/>
-          <a:p>
-            <a:r>
-              <a:rPr lang="en-US" dirty="0" smtClean="0"/>
-              <a:t>Intro and motivation 4</a:t>
-            </a:r>
-            <a:endParaRPr lang="en-US" dirty="0"/>
-          </a:p>
-        </p:txBody>
-      </p:sp>
-      <p:sp>
-        <p:nvSpPr>
-          <p:cNvPr id="5" name="Content Placeholder 4"/>
-          <p:cNvSpPr>
-            <a:spLocks noGrp="1"/>
-          </p:cNvSpPr>
-          <p:nvPr>
-            <p:ph sz="quarter" idx="10"/>
-          </p:nvPr>
-        </p:nvSpPr>
-        <p:spPr/>
-        <p:txBody>
-          <a:bodyPr>
-            <a:normAutofit/>
-          </a:bodyPr>
-          <a:lstStyle/>
-          <a:p>
-            <a:r>
-              <a:rPr lang="en-US" dirty="0" smtClean="0"/>
-              <a:t>We would like to avoid this</a:t>
-            </a:r>
-          </a:p>
-          <a:p>
-            <a:pPr lvl="1"/>
-            <a:r>
-              <a:rPr lang="en-US" dirty="0" smtClean="0"/>
-              <a:t>Subjects:</a:t>
-            </a:r>
-          </a:p>
-          <a:p>
-            <a:pPr lvl="2"/>
-            <a:r>
-              <a:rPr lang="en-US" dirty="0" smtClean="0"/>
-              <a:t>DP – </a:t>
-            </a:r>
-            <a:r>
-              <a:rPr lang="en-US" dirty="0" err="1" smtClean="0"/>
-              <a:t>Domagoj</a:t>
-            </a:r>
-            <a:r>
-              <a:rPr lang="en-US" dirty="0" smtClean="0"/>
-              <a:t> </a:t>
-            </a:r>
-            <a:r>
-              <a:rPr lang="en-US" dirty="0" err="1" smtClean="0"/>
-              <a:t>Pavlesic</a:t>
-            </a:r>
-            <a:endParaRPr lang="en-US" dirty="0" smtClean="0"/>
-          </a:p>
-          <a:p>
-            <a:pPr lvl="2"/>
-            <a:r>
-              <a:rPr lang="en-US" dirty="0" smtClean="0"/>
-              <a:t>MC me</a:t>
-            </a:r>
-          </a:p>
-          <a:p>
-            <a:pPr lvl="1"/>
-            <a:r>
-              <a:rPr lang="en-US" dirty="0" smtClean="0"/>
-              <a:t>Conversation/Smalltalk KulenDayz16 2016-09-02 22:30</a:t>
-            </a:r>
-            <a:br>
-              <a:rPr lang="en-US" dirty="0" smtClean="0"/>
-            </a:br>
-            <a:r>
-              <a:rPr lang="en-US" dirty="0" smtClean="0"/>
-              <a:t>DP: “When will </a:t>
-            </a:r>
-            <a:r>
-              <a:rPr lang="en-US" dirty="0" err="1" smtClean="0"/>
-              <a:t>Xamarin</a:t>
-            </a:r>
-            <a:r>
-              <a:rPr lang="en-US" dirty="0" smtClean="0"/>
-              <a:t> start working?”</a:t>
-            </a:r>
-            <a:br>
-              <a:rPr lang="en-US" dirty="0" smtClean="0"/>
-            </a:br>
-            <a:r>
-              <a:rPr lang="en-US" dirty="0" smtClean="0"/>
-              <a:t>MC: “What exactly is not working? What bothers you?”</a:t>
-            </a:r>
-            <a:br>
-              <a:rPr lang="en-US" dirty="0" smtClean="0"/>
-            </a:br>
-            <a:r>
-              <a:rPr lang="en-US" dirty="0" smtClean="0"/>
-              <a:t>DP: “Everything is a hack</a:t>
-            </a:r>
-            <a:r>
-              <a:rPr lang="is-IS" dirty="0" smtClean="0"/>
-              <a:t>…</a:t>
-            </a:r>
-            <a:r>
-              <a:rPr lang="en-US" dirty="0" smtClean="0"/>
-              <a:t>”</a:t>
-            </a:r>
-            <a:endParaRPr lang="en-US" dirty="0"/>
-          </a:p>
-        </p:txBody>
-      </p:sp>
-    </p:spTree>
-    <p:extLst>
-      <p:ext uri="{BB962C8B-B14F-4D97-AF65-F5344CB8AC3E}">
-        <p14:creationId xmlns:p14="http://schemas.microsoft.com/office/powerpoint/2010/main" val="1435197375"/>
-      </p:ext>
-    </p:extLst>
-  </p:cSld>
-  <p:clrMapOvr>
-    <a:masterClrMapping/>
-  </p:clrMapOvr>
-  <p:timing>
-    <p:tnLst>
-      <p:par>
-        <p:cTn id="1" dur="indefinite" restart="never" nodeType="tmRoot"/>
-      </p:par>
-    </p:tnLst>
-  </p:timing>
-</p:sld>
-</file>
-
-<file path=ppt/slides/slide8.xml><?xml version="1.0" encoding="utf-8"?>
-<p:sld xmlns:a="http://schemas.openxmlformats.org/drawingml/2006/main" xmlns:r="http://schemas.openxmlformats.org/officeDocument/2006/relationships" xmlns:p="http://schemas.openxmlformats.org/presentationml/2006/main">
-  <p:cSld>
-    <p:spTree>
-      <p:nvGrpSpPr>
-        <p:cNvPr id="1" name=""/>
-        <p:cNvGrpSpPr/>
-        <p:nvPr/>
-      </p:nvGrpSpPr>
-      <p:grpSpPr>
-        <a:xfrm>
-          <a:off x="0" y="0"/>
-          <a:ext cx="0" cy="0"/>
-          <a:chOff x="0" y="0"/>
-          <a:chExt cx="0" cy="0"/>
-        </a:xfrm>
-      </p:grpSpPr>
-      <p:sp>
-        <p:nvSpPr>
-          <p:cNvPr id="4" name="Title 3"/>
-          <p:cNvSpPr>
-            <a:spLocks noGrp="1"/>
-          </p:cNvSpPr>
-          <p:nvPr>
-            <p:ph type="title"/>
-          </p:nvPr>
-        </p:nvSpPr>
-        <p:spPr/>
-        <p:txBody>
-          <a:bodyPr/>
-          <a:lstStyle/>
-          <a:p>
-            <a:r>
-              <a:rPr lang="en-US" dirty="0" smtClean="0"/>
-              <a:t>Intro and motivation </a:t>
-            </a:r>
-            <a:r>
-              <a:rPr lang="en-US" dirty="0" smtClean="0"/>
-              <a:t>5</a:t>
-            </a:r>
-            <a:endParaRPr lang="en-US" dirty="0"/>
-          </a:p>
-        </p:txBody>
-      </p:sp>
-      <p:sp>
-        <p:nvSpPr>
-          <p:cNvPr id="5" name="Content Placeholder 4"/>
-          <p:cNvSpPr>
-            <a:spLocks noGrp="1"/>
-          </p:cNvSpPr>
-          <p:nvPr>
-            <p:ph sz="quarter" idx="10"/>
-          </p:nvPr>
-        </p:nvSpPr>
-        <p:spPr/>
-        <p:txBody>
-          <a:bodyPr>
-            <a:normAutofit/>
-          </a:bodyPr>
-          <a:lstStyle/>
-          <a:p>
-            <a:r>
-              <a:rPr lang="en-US" dirty="0" smtClean="0"/>
-              <a:t>We would like to avoid this</a:t>
-            </a:r>
-          </a:p>
-          <a:p>
-            <a:pPr lvl="1"/>
-            <a:r>
-              <a:rPr lang="en-US" dirty="0" err="1" smtClean="0"/>
-              <a:t>Pixolus</a:t>
-            </a:r>
-            <a:r>
-              <a:rPr lang="en-US" dirty="0" smtClean="0"/>
-              <a:t> Bindings Project (</a:t>
-            </a:r>
-            <a:r>
-              <a:rPr lang="en-US" dirty="0" err="1" smtClean="0"/>
-              <a:t>Mobendo</a:t>
-            </a:r>
-            <a:r>
-              <a:rPr lang="en-US" dirty="0" smtClean="0"/>
-              <a:t>)</a:t>
-            </a:r>
-            <a:endParaRPr lang="en-US" dirty="0"/>
-          </a:p>
-          <a:p>
-            <a:pPr lvl="2"/>
-            <a:r>
-              <a:rPr lang="en-US" dirty="0" smtClean="0"/>
-              <a:t>“</a:t>
-            </a:r>
-            <a:r>
-              <a:rPr lang="en-US" dirty="0" err="1" smtClean="0"/>
-              <a:t>Xamarin</a:t>
-            </a:r>
-            <a:r>
-              <a:rPr lang="en-US" dirty="0" smtClean="0"/>
-              <a:t> has the same API”</a:t>
-            </a:r>
-          </a:p>
-          <a:p>
-            <a:pPr lvl="2"/>
-            <a:r>
-              <a:rPr lang="en-US" dirty="0" smtClean="0"/>
-              <a:t>“</a:t>
-            </a:r>
-            <a:r>
-              <a:rPr lang="en-US" dirty="0" err="1" smtClean="0"/>
-              <a:t>Xamarin.Android</a:t>
-            </a:r>
-            <a:r>
-              <a:rPr lang="en-US" dirty="0" smtClean="0"/>
-              <a:t> and </a:t>
-            </a:r>
-            <a:r>
-              <a:rPr lang="en-US" dirty="0" err="1" smtClean="0"/>
-              <a:t>Xamarin.iOS</a:t>
-            </a:r>
-            <a:r>
-              <a:rPr lang="en-US" dirty="0" smtClean="0"/>
-              <a:t> must have the same API”</a:t>
-            </a:r>
-          </a:p>
-          <a:p>
-            <a:pPr lvl="3"/>
-            <a:r>
-              <a:rPr lang="en-US" dirty="0" smtClean="0"/>
-              <a:t>Only if common design was done</a:t>
-            </a:r>
-          </a:p>
-          <a:p>
-            <a:pPr lvl="3"/>
-            <a:r>
-              <a:rPr lang="en-US" dirty="0" smtClean="0"/>
-              <a:t>2 or more teams (Android, iOS) -&gt; safe bet APIs are different</a:t>
-            </a:r>
-            <a:endParaRPr lang="en-US" dirty="0" smtClean="0"/>
-          </a:p>
-        </p:txBody>
-      </p:sp>
-    </p:spTree>
-    <p:extLst>
-      <p:ext uri="{BB962C8B-B14F-4D97-AF65-F5344CB8AC3E}">
-        <p14:creationId xmlns:p14="http://schemas.microsoft.com/office/powerpoint/2010/main" val="494814126"/>
-      </p:ext>
-    </p:extLst>
-  </p:cSld>
-  <p:clrMapOvr>
-    <a:masterClrMapping/>
-  </p:clrMapOvr>
-  <p:timing>
-    <p:tnLst>
-      <p:par>
-        <p:cTn id="1" dur="indefinite" restart="never" nodeType="tmRoot"/>
-      </p:par>
-    </p:tnLst>
-  </p:timing>
-</p:sld>
-</file>
-
-<file path=ppt/slides/slide9.xml><?xml version="1.0" encoding="utf-8"?>
-<p:sld xmlns:a="http://schemas.openxmlformats.org/drawingml/2006/main" xmlns:r="http://schemas.openxmlformats.org/officeDocument/2006/relationships" xmlns:p="http://schemas.openxmlformats.org/presentationml/2006/main">
-  <p:cSld>
-    <p:spTree>
-      <p:nvGrpSpPr>
-        <p:cNvPr id="1" name=""/>
-        <p:cNvGrpSpPr/>
-        <p:nvPr/>
-      </p:nvGrpSpPr>
-      <p:grpSpPr>
-        <a:xfrm>
-          <a:off x="0" y="0"/>
-          <a:ext cx="0" cy="0"/>
-          <a:chOff x="0" y="0"/>
-          <a:chExt cx="0" cy="0"/>
-        </a:xfrm>
-      </p:grpSpPr>
-      <p:sp>
-        <p:nvSpPr>
-          <p:cNvPr id="4" name="Title 3"/>
-          <p:cNvSpPr>
-            <a:spLocks noGrp="1"/>
-          </p:cNvSpPr>
-          <p:nvPr>
-            <p:ph type="title"/>
-          </p:nvPr>
-        </p:nvSpPr>
-        <p:spPr/>
-        <p:txBody>
-          <a:bodyPr/>
-          <a:lstStyle/>
-          <a:p>
-            <a:r>
-              <a:rPr lang="en-US" dirty="0" smtClean="0"/>
-              <a:t>Intro and motivation </a:t>
-            </a:r>
-            <a:r>
-              <a:rPr lang="en-US" dirty="0"/>
-              <a:t>6</a:t>
-            </a:r>
-            <a:endParaRPr lang="en-US" dirty="0"/>
-          </a:p>
-        </p:txBody>
-      </p:sp>
-      <p:sp>
-        <p:nvSpPr>
-          <p:cNvPr id="5" name="Content Placeholder 4"/>
-          <p:cNvSpPr>
-            <a:spLocks noGrp="1"/>
-          </p:cNvSpPr>
-          <p:nvPr>
-            <p:ph sz="quarter" idx="10"/>
-          </p:nvPr>
-        </p:nvSpPr>
-        <p:spPr/>
-        <p:txBody>
-          <a:bodyPr>
-            <a:normAutofit/>
-          </a:bodyPr>
-          <a:lstStyle/>
-          <a:p>
-            <a:r>
-              <a:rPr lang="en-US" dirty="0" smtClean="0"/>
-              <a:t>We would like to avoid this at all </a:t>
-            </a:r>
-            <a:r>
-              <a:rPr lang="en-US" dirty="0" smtClean="0"/>
-              <a:t>costs</a:t>
-            </a:r>
-            <a:br>
-              <a:rPr lang="en-US" dirty="0" smtClean="0"/>
-            </a:br>
-            <a:r>
-              <a:rPr lang="en-US" dirty="0"/>
-              <a:t/>
-            </a:r>
-            <a:br>
-              <a:rPr lang="en-US" dirty="0"/>
-            </a:br>
-            <a:endParaRPr lang="en-US" dirty="0">
-              <a:solidFill>
-                <a:srgbClr val="FF0000"/>
-              </a:solidFill>
-            </a:endParaRPr>
-          </a:p>
-        </p:txBody>
-      </p:sp>
-      <p:pic>
-        <p:nvPicPr>
-          <p:cNvPr id="3" name="Picture 2"/>
-          <p:cNvPicPr>
-            <a:picLocks noChangeAspect="1"/>
-          </p:cNvPicPr>
-          <p:nvPr/>
-        </p:nvPicPr>
-        <p:blipFill>
-          <a:blip r:embed="rId2">
-            <a:extLst>
-              <a:ext uri="{28A0092B-C50C-407E-A947-70E740481C1C}">
-                <a14:useLocalDpi xmlns:a14="http://schemas.microsoft.com/office/drawing/2010/main" val="0"/>
-              </a:ext>
-            </a:extLst>
-          </a:blip>
-          <a:stretch>
-            <a:fillRect/>
-          </a:stretch>
-        </p:blipFill>
-        <p:spPr>
-          <a:xfrm>
-            <a:off x="1611630" y="1687458"/>
-            <a:ext cx="7063740" cy="4414838"/>
-          </a:xfrm>
-          <a:prstGeom prst="rect">
-            <a:avLst/>
-          </a:prstGeom>
-        </p:spPr>
-      </p:pic>
-    </p:spTree>
-    <p:extLst>
-      <p:ext uri="{BB962C8B-B14F-4D97-AF65-F5344CB8AC3E}">
-        <p14:creationId xmlns:p14="http://schemas.microsoft.com/office/powerpoint/2010/main" val="777639727"/>
       </p:ext>
     </p:extLst>
   </p:cSld>
